--- a/materials/ch09/ch09-HTTP协议和复杂通信.pptx
+++ b/materials/ch09/ch09-HTTP协议和复杂通信.pptx
@@ -552,7 +552,7 @@
           <a:p>
             <a:fld id="{10955001-8E90-43AD-87AF-166875BDDBE4}" type="datetimeFigureOut">
               <a:rPr lang="zh-CN" altLang="en-US" smtClean="0"/>
-              <a:t>2020/8/18</a:t>
+              <a:t>2020/8/22</a:t>
             </a:fld>
             <a:endParaRPr lang="zh-CN" altLang="en-US"/>
           </a:p>
@@ -784,7 +784,7 @@
           <a:p>
             <a:fld id="{10955001-8E90-43AD-87AF-166875BDDBE4}" type="datetimeFigureOut">
               <a:rPr lang="zh-CN" altLang="en-US" smtClean="0"/>
-              <a:t>2020/8/18</a:t>
+              <a:t>2020/8/22</a:t>
             </a:fld>
             <a:endParaRPr lang="zh-CN" altLang="en-US"/>
           </a:p>
@@ -1282,7 +1282,7 @@
           <a:p>
             <a:fld id="{10955001-8E90-43AD-87AF-166875BDDBE4}" type="datetimeFigureOut">
               <a:rPr lang="zh-CN" altLang="en-US" smtClean="0"/>
-              <a:t>2020/8/18</a:t>
+              <a:t>2020/8/22</a:t>
             </a:fld>
             <a:endParaRPr lang="zh-CN" altLang="en-US"/>
           </a:p>
@@ -1711,7 +1711,7 @@
           <a:p>
             <a:fld id="{10955001-8E90-43AD-87AF-166875BDDBE4}" type="datetimeFigureOut">
               <a:rPr lang="zh-CN" altLang="en-US" smtClean="0"/>
-              <a:t>2020/8/18</a:t>
+              <a:t>2020/8/22</a:t>
             </a:fld>
             <a:endParaRPr lang="zh-CN" altLang="en-US"/>
           </a:p>
@@ -2228,7 +2228,7 @@
           <a:p>
             <a:fld id="{10955001-8E90-43AD-87AF-166875BDDBE4}" type="datetimeFigureOut">
               <a:rPr lang="zh-CN" altLang="en-US" smtClean="0"/>
-              <a:t>2020/8/18</a:t>
+              <a:t>2020/8/22</a:t>
             </a:fld>
             <a:endParaRPr lang="zh-CN" altLang="en-US"/>
           </a:p>
@@ -2688,7 +2688,7 @@
           <a:p>
             <a:fld id="{10955001-8E90-43AD-87AF-166875BDDBE4}" type="datetimeFigureOut">
               <a:rPr lang="zh-CN" altLang="en-US" smtClean="0"/>
-              <a:t>2020/8/18</a:t>
+              <a:t>2020/8/22</a:t>
             </a:fld>
             <a:endParaRPr lang="zh-CN" altLang="en-US"/>
           </a:p>
@@ -3000,7 +3000,7 @@
           <a:p>
             <a:fld id="{10955001-8E90-43AD-87AF-166875BDDBE4}" type="datetimeFigureOut">
               <a:rPr lang="zh-CN" altLang="en-US" smtClean="0"/>
-              <a:t>2020/8/18</a:t>
+              <a:t>2020/8/22</a:t>
             </a:fld>
             <a:endParaRPr lang="zh-CN" altLang="en-US"/>
           </a:p>
@@ -3588,14 +3588,20 @@
           <a:lstStyle/>
           <a:p>
             <a:r>
-              <a:rPr lang="en-US" altLang="zh-CN"/>
+              <a:rPr lang="en-US" altLang="zh-CN">
+                <a:latin typeface="Roboto Mono Light" pitchFamily="2" charset="0"/>
+              </a:rPr>
               <a:t>HTTP</a:t>
             </a:r>
             <a:r>
-              <a:rPr lang="zh-CN" altLang="en-US"/>
+              <a:rPr lang="zh-CN" altLang="en-US">
+                <a:latin typeface="Roboto Mono Light" pitchFamily="2" charset="0"/>
+              </a:rPr>
               <a:t>协议和复杂通信</a:t>
             </a:r>
-            <a:endParaRPr lang="zh-CN" altLang="en-US" dirty="0"/>
+            <a:endParaRPr lang="zh-CN" altLang="en-US" dirty="0">
+              <a:latin typeface="Roboto Mono Light" pitchFamily="2" charset="0"/>
+            </a:endParaRPr>
           </a:p>
         </p:txBody>
       </p:sp>

--- a/materials/ch09/ch09-HTTP协议和复杂通信.pptx
+++ b/materials/ch09/ch09-HTTP协议和复杂通信.pptx
@@ -10,16 +10,17 @@
     <p:sldId id="259" r:id="rId4"/>
     <p:sldId id="274" r:id="rId5"/>
     <p:sldId id="275" r:id="rId6"/>
-    <p:sldId id="264" r:id="rId7"/>
-    <p:sldId id="271" r:id="rId8"/>
-    <p:sldId id="279" r:id="rId9"/>
-    <p:sldId id="257" r:id="rId10"/>
-    <p:sldId id="280" r:id="rId11"/>
-    <p:sldId id="281" r:id="rId12"/>
-    <p:sldId id="282" r:id="rId13"/>
-    <p:sldId id="283" r:id="rId14"/>
-    <p:sldId id="284" r:id="rId15"/>
-    <p:sldId id="258" r:id="rId16"/>
+    <p:sldId id="285" r:id="rId7"/>
+    <p:sldId id="286" r:id="rId8"/>
+    <p:sldId id="264" r:id="rId9"/>
+    <p:sldId id="271" r:id="rId10"/>
+    <p:sldId id="279" r:id="rId11"/>
+    <p:sldId id="257" r:id="rId12"/>
+    <p:sldId id="280" r:id="rId13"/>
+    <p:sldId id="281" r:id="rId14"/>
+    <p:sldId id="282" r:id="rId15"/>
+    <p:sldId id="283" r:id="rId16"/>
+    <p:sldId id="284" r:id="rId17"/>
   </p:sldIdLst>
   <p:sldSz cx="12192000" cy="6858000"/>
   <p:notesSz cx="6858000" cy="9144000"/>
@@ -552,7 +553,7 @@
           <a:p>
             <a:fld id="{10955001-8E90-43AD-87AF-166875BDDBE4}" type="datetimeFigureOut">
               <a:rPr lang="zh-CN" altLang="en-US" smtClean="0"/>
-              <a:t>2020/8/22</a:t>
+              <a:t>2020/8/28</a:t>
             </a:fld>
             <a:endParaRPr lang="zh-CN" altLang="en-US"/>
           </a:p>
@@ -784,7 +785,7 @@
           <a:p>
             <a:fld id="{10955001-8E90-43AD-87AF-166875BDDBE4}" type="datetimeFigureOut">
               <a:rPr lang="zh-CN" altLang="en-US" smtClean="0"/>
-              <a:t>2020/8/22</a:t>
+              <a:t>2020/8/28</a:t>
             </a:fld>
             <a:endParaRPr lang="zh-CN" altLang="en-US"/>
           </a:p>
@@ -967,7 +968,7 @@
                 <a:spcPts val="1200"/>
               </a:spcBef>
               <a:defRPr sz="2000" baseline="0">
-                <a:latin typeface="Victor Mono" panose="00000509000000000000" pitchFamily="49" charset="0"/>
+                <a:latin typeface="Ubuntu Mono" panose="020B0509030602030204" pitchFamily="49" charset="0"/>
                 <a:ea typeface="思源黑体 CN Light" panose="020B0300000000000000" pitchFamily="34" charset="-122"/>
               </a:defRPr>
             </a:lvl1pPr>
@@ -979,7 +980,7 @@
                 <a:spcPts val="1200"/>
               </a:spcBef>
               <a:defRPr sz="1800" baseline="0">
-                <a:latin typeface="Victor Mono" panose="00000509000000000000" pitchFamily="49" charset="0"/>
+                <a:latin typeface="Ubuntu Mono" panose="020B0509030602030204" pitchFamily="49" charset="0"/>
                 <a:ea typeface="思源黑体 CN Light" panose="020B0300000000000000" pitchFamily="34" charset="-122"/>
               </a:defRPr>
             </a:lvl2pPr>
@@ -991,7 +992,7 @@
                 <a:spcPts val="1200"/>
               </a:spcBef>
               <a:defRPr sz="1600" baseline="0">
-                <a:latin typeface="Victor Mono" panose="00000509000000000000" pitchFamily="49" charset="0"/>
+                <a:latin typeface="Ubuntu Mono" panose="020B0509030602030204" pitchFamily="49" charset="0"/>
                 <a:ea typeface="思源黑体 CN Light" panose="020B0300000000000000" pitchFamily="34" charset="-122"/>
               </a:defRPr>
             </a:lvl3pPr>
@@ -1003,7 +1004,7 @@
                 <a:spcPts val="1200"/>
               </a:spcBef>
               <a:defRPr sz="1400" baseline="0">
-                <a:latin typeface="Victor Mono" panose="00000509000000000000" pitchFamily="49" charset="0"/>
+                <a:latin typeface="Ubuntu Mono" panose="020B0509030602030204" pitchFamily="49" charset="0"/>
                 <a:ea typeface="思源黑体 CN Light" panose="020B0300000000000000" pitchFamily="34" charset="-122"/>
               </a:defRPr>
             </a:lvl4pPr>
@@ -1015,7 +1016,7 @@
                 <a:spcPts val="1200"/>
               </a:spcBef>
               <a:defRPr sz="1400" baseline="0">
-                <a:latin typeface="Victor Mono" panose="00000509000000000000" pitchFamily="49" charset="0"/>
+                <a:latin typeface="Ubuntu Mono" panose="020B0509030602030204" pitchFamily="49" charset="0"/>
                 <a:ea typeface="思源黑体 CN Light" panose="020B0300000000000000" pitchFamily="34" charset="-122"/>
               </a:defRPr>
             </a:lvl5pPr>
@@ -1282,7 +1283,7 @@
           <a:p>
             <a:fld id="{10955001-8E90-43AD-87AF-166875BDDBE4}" type="datetimeFigureOut">
               <a:rPr lang="zh-CN" altLang="en-US" smtClean="0"/>
-              <a:t>2020/8/22</a:t>
+              <a:t>2020/8/28</a:t>
             </a:fld>
             <a:endParaRPr lang="zh-CN" altLang="en-US"/>
           </a:p>
@@ -1711,7 +1712,7 @@
           <a:p>
             <a:fld id="{10955001-8E90-43AD-87AF-166875BDDBE4}" type="datetimeFigureOut">
               <a:rPr lang="zh-CN" altLang="en-US" smtClean="0"/>
-              <a:t>2020/8/22</a:t>
+              <a:t>2020/8/28</a:t>
             </a:fld>
             <a:endParaRPr lang="zh-CN" altLang="en-US"/>
           </a:p>
@@ -2228,7 +2229,7 @@
           <a:p>
             <a:fld id="{10955001-8E90-43AD-87AF-166875BDDBE4}" type="datetimeFigureOut">
               <a:rPr lang="zh-CN" altLang="en-US" smtClean="0"/>
-              <a:t>2020/8/22</a:t>
+              <a:t>2020/8/28</a:t>
             </a:fld>
             <a:endParaRPr lang="zh-CN" altLang="en-US"/>
           </a:p>
@@ -2688,7 +2689,7 @@
           <a:p>
             <a:fld id="{10955001-8E90-43AD-87AF-166875BDDBE4}" type="datetimeFigureOut">
               <a:rPr lang="zh-CN" altLang="en-US" smtClean="0"/>
-              <a:t>2020/8/22</a:t>
+              <a:t>2020/8/28</a:t>
             </a:fld>
             <a:endParaRPr lang="zh-CN" altLang="en-US"/>
           </a:p>
@@ -3000,7 +3001,7 @@
           <a:p>
             <a:fld id="{10955001-8E90-43AD-87AF-166875BDDBE4}" type="datetimeFigureOut">
               <a:rPr lang="zh-CN" altLang="en-US" smtClean="0"/>
-              <a:t>2020/8/22</a:t>
+              <a:t>2020/8/28</a:t>
             </a:fld>
             <a:endParaRPr lang="zh-CN" altLang="en-US"/>
           </a:p>
@@ -3640,7 +3641,7 @@
           <p:cNvPr id="2" name="标题 1">
             <a:extLst>
               <a:ext uri="{FF2B5EF4-FFF2-40B4-BE49-F238E27FC236}">
-                <a16:creationId xmlns:a16="http://schemas.microsoft.com/office/drawing/2014/main" id="{890582C0-9CF5-40BD-89BB-B9F17D1E05A2}"/>
+                <a16:creationId xmlns:a16="http://schemas.microsoft.com/office/drawing/2014/main" id="{AA674828-64B6-4C32-B35B-D025E6426C20}"/>
               </a:ext>
             </a:extLst>
           </p:cNvPr>
@@ -3658,7 +3659,7 @@
           <a:p>
             <a:r>
               <a:rPr lang="zh-CN" altLang="en-US"/>
-              <a:t>数据库</a:t>
+              <a:t>中间件</a:t>
             </a:r>
           </a:p>
         </p:txBody>
@@ -3668,7 +3669,7 @@
           <p:cNvPr id="3" name="内容占位符 2">
             <a:extLst>
               <a:ext uri="{FF2B5EF4-FFF2-40B4-BE49-F238E27FC236}">
-                <a16:creationId xmlns:a16="http://schemas.microsoft.com/office/drawing/2014/main" id="{04827E7F-7ECC-4EC3-829A-1A7361C2A0C5}"/>
+                <a16:creationId xmlns:a16="http://schemas.microsoft.com/office/drawing/2014/main" id="{A652301B-06FD-4058-9A45-5A37D3BA95F4}"/>
               </a:ext>
             </a:extLst>
           </p:cNvPr>
@@ -3691,7 +3692,7 @@
     </p:spTree>
     <p:extLst>
       <p:ext uri="{BB962C8B-B14F-4D97-AF65-F5344CB8AC3E}">
-        <p14:creationId xmlns:p14="http://schemas.microsoft.com/office/powerpoint/2010/main" val="1531795847"/>
+        <p14:creationId xmlns:p14="http://schemas.microsoft.com/office/powerpoint/2010/main" val="3444132504"/>
       </p:ext>
     </p:extLst>
   </p:cSld>
@@ -3723,7 +3724,7 @@
           <p:cNvPr id="2" name="标题 1">
             <a:extLst>
               <a:ext uri="{FF2B5EF4-FFF2-40B4-BE49-F238E27FC236}">
-                <a16:creationId xmlns:a16="http://schemas.microsoft.com/office/drawing/2014/main" id="{2B206B12-2419-4DD2-9F9C-A083B3EFEE36}"/>
+                <a16:creationId xmlns:a16="http://schemas.microsoft.com/office/drawing/2014/main" id="{14E9355E-652F-436C-B3B0-4D81DA18977B}"/>
               </a:ext>
             </a:extLst>
           </p:cNvPr>
@@ -3741,17 +3742,18 @@
           <a:p>
             <a:r>
               <a:rPr lang="zh-CN" altLang="en-US"/>
-              <a:t>使用数据库</a:t>
-            </a:r>
-          </a:p>
-        </p:txBody>
-      </p:sp>
-      <p:sp>
-        <p:nvSpPr>
-          <p:cNvPr id="3" name="内容占位符 2">
-            <a:extLst>
-              <a:ext uri="{FF2B5EF4-FFF2-40B4-BE49-F238E27FC236}">
-                <a16:creationId xmlns:a16="http://schemas.microsoft.com/office/drawing/2014/main" id="{4DA64EAE-D0EB-466A-9E77-CDE6A96D9A37}"/>
+              <a:t>使用中间件对程序分层</a:t>
+            </a:r>
+            <a:endParaRPr lang="zh-CN" altLang="en-US" dirty="0"/>
+          </a:p>
+        </p:txBody>
+      </p:sp>
+      <p:sp>
+        <p:nvSpPr>
+          <p:cNvPr id="11" name="内容占位符 10">
+            <a:extLst>
+              <a:ext uri="{FF2B5EF4-FFF2-40B4-BE49-F238E27FC236}">
+                <a16:creationId xmlns:a16="http://schemas.microsoft.com/office/drawing/2014/main" id="{722BB35D-6C21-4F0B-A227-B152A483727A}"/>
               </a:ext>
             </a:extLst>
           </p:cNvPr>
@@ -3774,7 +3776,7 @@
     </p:spTree>
     <p:extLst>
       <p:ext uri="{BB962C8B-B14F-4D97-AF65-F5344CB8AC3E}">
-        <p14:creationId xmlns:p14="http://schemas.microsoft.com/office/powerpoint/2010/main" val="1869127447"/>
+        <p14:creationId xmlns:p14="http://schemas.microsoft.com/office/powerpoint/2010/main" val="2052499412"/>
       </p:ext>
     </p:extLst>
   </p:cSld>
@@ -3806,7 +3808,7 @@
           <p:cNvPr id="2" name="标题 1">
             <a:extLst>
               <a:ext uri="{FF2B5EF4-FFF2-40B4-BE49-F238E27FC236}">
-                <a16:creationId xmlns:a16="http://schemas.microsoft.com/office/drawing/2014/main" id="{57FEF634-F102-4868-8C7E-790011909F42}"/>
+                <a16:creationId xmlns:a16="http://schemas.microsoft.com/office/drawing/2014/main" id="{890582C0-9CF5-40BD-89BB-B9F17D1E05A2}"/>
               </a:ext>
             </a:extLst>
           </p:cNvPr>
@@ -3823,12 +3825,8 @@
           <a:lstStyle/>
           <a:p>
             <a:r>
-              <a:rPr lang="en-US" altLang="zh-CN"/>
-              <a:t>postgresql</a:t>
-            </a:r>
-            <a:r>
-              <a:rPr lang="zh-CN" altLang="en-US"/>
-              <a:t>安装</a:t>
+              <a:rPr lang="zh-CN" altLang="en-US"/>
+              <a:t>数据库</a:t>
             </a:r>
           </a:p>
         </p:txBody>
@@ -3838,7 +3836,7 @@
           <p:cNvPr id="3" name="内容占位符 2">
             <a:extLst>
               <a:ext uri="{FF2B5EF4-FFF2-40B4-BE49-F238E27FC236}">
-                <a16:creationId xmlns:a16="http://schemas.microsoft.com/office/drawing/2014/main" id="{4144CDF5-07E8-483E-B4D7-641611911CD6}"/>
+                <a16:creationId xmlns:a16="http://schemas.microsoft.com/office/drawing/2014/main" id="{04827E7F-7ECC-4EC3-829A-1A7361C2A0C5}"/>
               </a:ext>
             </a:extLst>
           </p:cNvPr>
@@ -3861,7 +3859,7 @@
     </p:spTree>
     <p:extLst>
       <p:ext uri="{BB962C8B-B14F-4D97-AF65-F5344CB8AC3E}">
-        <p14:creationId xmlns:p14="http://schemas.microsoft.com/office/powerpoint/2010/main" val="2494796886"/>
+        <p14:creationId xmlns:p14="http://schemas.microsoft.com/office/powerpoint/2010/main" val="1531795847"/>
       </p:ext>
     </p:extLst>
   </p:cSld>
@@ -3893,7 +3891,7 @@
           <p:cNvPr id="2" name="标题 1">
             <a:extLst>
               <a:ext uri="{FF2B5EF4-FFF2-40B4-BE49-F238E27FC236}">
-                <a16:creationId xmlns:a16="http://schemas.microsoft.com/office/drawing/2014/main" id="{41447A1D-D7D4-45F2-A26C-78B9550AA652}"/>
+                <a16:creationId xmlns:a16="http://schemas.microsoft.com/office/drawing/2014/main" id="{2B206B12-2419-4DD2-9F9C-A083B3EFEE36}"/>
               </a:ext>
             </a:extLst>
           </p:cNvPr>
@@ -3911,7 +3909,7 @@
           <a:p>
             <a:r>
               <a:rPr lang="zh-CN" altLang="en-US"/>
-              <a:t>创建用户和数据库</a:t>
+              <a:t>使用数据库</a:t>
             </a:r>
           </a:p>
         </p:txBody>
@@ -3921,7 +3919,7 @@
           <p:cNvPr id="3" name="内容占位符 2">
             <a:extLst>
               <a:ext uri="{FF2B5EF4-FFF2-40B4-BE49-F238E27FC236}">
-                <a16:creationId xmlns:a16="http://schemas.microsoft.com/office/drawing/2014/main" id="{C1E5017D-178C-436C-BADE-9B36C5E1E270}"/>
+                <a16:creationId xmlns:a16="http://schemas.microsoft.com/office/drawing/2014/main" id="{4DA64EAE-D0EB-466A-9E77-CDE6A96D9A37}"/>
               </a:ext>
             </a:extLst>
           </p:cNvPr>
@@ -3944,7 +3942,7 @@
     </p:spTree>
     <p:extLst>
       <p:ext uri="{BB962C8B-B14F-4D97-AF65-F5344CB8AC3E}">
-        <p14:creationId xmlns:p14="http://schemas.microsoft.com/office/powerpoint/2010/main" val="3028757486"/>
+        <p14:creationId xmlns:p14="http://schemas.microsoft.com/office/powerpoint/2010/main" val="1869127447"/>
       </p:ext>
     </p:extLst>
   </p:cSld>
@@ -3976,7 +3974,7 @@
           <p:cNvPr id="2" name="标题 1">
             <a:extLst>
               <a:ext uri="{FF2B5EF4-FFF2-40B4-BE49-F238E27FC236}">
-                <a16:creationId xmlns:a16="http://schemas.microsoft.com/office/drawing/2014/main" id="{B5CBB81B-840D-4451-9ECF-C97CF1D80D36}"/>
+                <a16:creationId xmlns:a16="http://schemas.microsoft.com/office/drawing/2014/main" id="{57FEF634-F102-4868-8C7E-790011909F42}"/>
               </a:ext>
             </a:extLst>
           </p:cNvPr>
@@ -3992,29 +3990,13 @@
           <a:bodyPr/>
           <a:lstStyle/>
           <a:p>
-            <a:r>
-              <a:rPr lang="en-US" altLang="zh-CN"/>
-              <a:t>pg</a:t>
-            </a:r>
-            <a:r>
-              <a:rPr lang="zh-CN" altLang="en-US"/>
-              <a:t>：</a:t>
-            </a:r>
             <a:r>
               <a:rPr lang="en-US" altLang="zh-CN"/>
               <a:t>postgresql</a:t>
             </a:r>
             <a:r>
               <a:rPr lang="zh-CN" altLang="en-US"/>
-              <a:t>的</a:t>
-            </a:r>
-            <a:r>
-              <a:rPr lang="en-US" altLang="zh-CN"/>
-              <a:t>Node.js</a:t>
-            </a:r>
-            <a:r>
-              <a:rPr lang="zh-CN" altLang="en-US"/>
-              <a:t>扩展</a:t>
+              <a:t>安装</a:t>
             </a:r>
           </a:p>
         </p:txBody>
@@ -4024,7 +4006,7 @@
           <p:cNvPr id="3" name="内容占位符 2">
             <a:extLst>
               <a:ext uri="{FF2B5EF4-FFF2-40B4-BE49-F238E27FC236}">
-                <a16:creationId xmlns:a16="http://schemas.microsoft.com/office/drawing/2014/main" id="{BD3FF549-0EDC-4CF1-8E71-D6C92783A25B}"/>
+                <a16:creationId xmlns:a16="http://schemas.microsoft.com/office/drawing/2014/main" id="{4144CDF5-07E8-483E-B4D7-641611911CD6}"/>
               </a:ext>
             </a:extLst>
           </p:cNvPr>
@@ -4047,7 +4029,7 @@
     </p:spTree>
     <p:extLst>
       <p:ext uri="{BB962C8B-B14F-4D97-AF65-F5344CB8AC3E}">
-        <p14:creationId xmlns:p14="http://schemas.microsoft.com/office/powerpoint/2010/main" val="1227704780"/>
+        <p14:creationId xmlns:p14="http://schemas.microsoft.com/office/powerpoint/2010/main" val="2494796886"/>
       </p:ext>
     </p:extLst>
   </p:cSld>
@@ -4074,10 +4056,166 @@
           <a:chExt cx="0" cy="0"/>
         </a:xfrm>
       </p:grpSpPr>
+      <p:sp>
+        <p:nvSpPr>
+          <p:cNvPr id="2" name="标题 1">
+            <a:extLst>
+              <a:ext uri="{FF2B5EF4-FFF2-40B4-BE49-F238E27FC236}">
+                <a16:creationId xmlns:a16="http://schemas.microsoft.com/office/drawing/2014/main" id="{41447A1D-D7D4-45F2-A26C-78B9550AA652}"/>
+              </a:ext>
+            </a:extLst>
+          </p:cNvPr>
+          <p:cNvSpPr>
+            <a:spLocks noGrp="1"/>
+          </p:cNvSpPr>
+          <p:nvPr>
+            <p:ph type="title"/>
+          </p:nvPr>
+        </p:nvSpPr>
+        <p:spPr/>
+        <p:txBody>
+          <a:bodyPr/>
+          <a:lstStyle/>
+          <a:p>
+            <a:r>
+              <a:rPr lang="zh-CN" altLang="en-US"/>
+              <a:t>创建用户和数据库</a:t>
+            </a:r>
+          </a:p>
+        </p:txBody>
+      </p:sp>
+      <p:sp>
+        <p:nvSpPr>
+          <p:cNvPr id="3" name="内容占位符 2">
+            <a:extLst>
+              <a:ext uri="{FF2B5EF4-FFF2-40B4-BE49-F238E27FC236}">
+                <a16:creationId xmlns:a16="http://schemas.microsoft.com/office/drawing/2014/main" id="{C1E5017D-178C-436C-BADE-9B36C5E1E270}"/>
+              </a:ext>
+            </a:extLst>
+          </p:cNvPr>
+          <p:cNvSpPr>
+            <a:spLocks noGrp="1"/>
+          </p:cNvSpPr>
+          <p:nvPr>
+            <p:ph idx="1"/>
+          </p:nvPr>
+        </p:nvSpPr>
+        <p:spPr/>
+        <p:txBody>
+          <a:bodyPr/>
+          <a:lstStyle/>
+          <a:p>
+            <a:endParaRPr lang="zh-CN" altLang="en-US"/>
+          </a:p>
+        </p:txBody>
+      </p:sp>
     </p:spTree>
     <p:extLst>
       <p:ext uri="{BB962C8B-B14F-4D97-AF65-F5344CB8AC3E}">
-        <p14:creationId xmlns:p14="http://schemas.microsoft.com/office/powerpoint/2010/main" val="365098710"/>
+        <p14:creationId xmlns:p14="http://schemas.microsoft.com/office/powerpoint/2010/main" val="3028757486"/>
+      </p:ext>
+    </p:extLst>
+  </p:cSld>
+  <p:clrMapOvr>
+    <a:masterClrMapping/>
+  </p:clrMapOvr>
+</p:sld>
+</file>
+
+<file path=ppt/slides/slide16.xml><?xml version="1.0" encoding="utf-8"?>
+<p:sld xmlns:a="http://schemas.openxmlformats.org/drawingml/2006/main" xmlns:r="http://schemas.openxmlformats.org/officeDocument/2006/relationships" xmlns:p="http://schemas.openxmlformats.org/presentationml/2006/main">
+  <p:cSld>
+    <p:spTree>
+      <p:nvGrpSpPr>
+        <p:cNvPr id="1" name=""/>
+        <p:cNvGrpSpPr/>
+        <p:nvPr/>
+      </p:nvGrpSpPr>
+      <p:grpSpPr>
+        <a:xfrm>
+          <a:off x="0" y="0"/>
+          <a:ext cx="0" cy="0"/>
+          <a:chOff x="0" y="0"/>
+          <a:chExt cx="0" cy="0"/>
+        </a:xfrm>
+      </p:grpSpPr>
+      <p:sp>
+        <p:nvSpPr>
+          <p:cNvPr id="2" name="标题 1">
+            <a:extLst>
+              <a:ext uri="{FF2B5EF4-FFF2-40B4-BE49-F238E27FC236}">
+                <a16:creationId xmlns:a16="http://schemas.microsoft.com/office/drawing/2014/main" id="{B5CBB81B-840D-4451-9ECF-C97CF1D80D36}"/>
+              </a:ext>
+            </a:extLst>
+          </p:cNvPr>
+          <p:cNvSpPr>
+            <a:spLocks noGrp="1"/>
+          </p:cNvSpPr>
+          <p:nvPr>
+            <p:ph type="title"/>
+          </p:nvPr>
+        </p:nvSpPr>
+        <p:spPr/>
+        <p:txBody>
+          <a:bodyPr/>
+          <a:lstStyle/>
+          <a:p>
+            <a:r>
+              <a:rPr lang="en-US" altLang="zh-CN"/>
+              <a:t>pg</a:t>
+            </a:r>
+            <a:r>
+              <a:rPr lang="zh-CN" altLang="en-US"/>
+              <a:t>：</a:t>
+            </a:r>
+            <a:r>
+              <a:rPr lang="en-US" altLang="zh-CN"/>
+              <a:t>postgresql</a:t>
+            </a:r>
+            <a:r>
+              <a:rPr lang="zh-CN" altLang="en-US"/>
+              <a:t>的</a:t>
+            </a:r>
+            <a:r>
+              <a:rPr lang="en-US" altLang="zh-CN"/>
+              <a:t>Node.js</a:t>
+            </a:r>
+            <a:r>
+              <a:rPr lang="zh-CN" altLang="en-US"/>
+              <a:t>扩展</a:t>
+            </a:r>
+          </a:p>
+        </p:txBody>
+      </p:sp>
+      <p:sp>
+        <p:nvSpPr>
+          <p:cNvPr id="3" name="内容占位符 2">
+            <a:extLst>
+              <a:ext uri="{FF2B5EF4-FFF2-40B4-BE49-F238E27FC236}">
+                <a16:creationId xmlns:a16="http://schemas.microsoft.com/office/drawing/2014/main" id="{BD3FF549-0EDC-4CF1-8E71-D6C92783A25B}"/>
+              </a:ext>
+            </a:extLst>
+          </p:cNvPr>
+          <p:cNvSpPr>
+            <a:spLocks noGrp="1"/>
+          </p:cNvSpPr>
+          <p:nvPr>
+            <p:ph idx="1"/>
+          </p:nvPr>
+        </p:nvSpPr>
+        <p:spPr/>
+        <p:txBody>
+          <a:bodyPr/>
+          <a:lstStyle/>
+          <a:p>
+            <a:endParaRPr lang="zh-CN" altLang="en-US"/>
+          </a:p>
+        </p:txBody>
+      </p:sp>
+    </p:spTree>
+    <p:extLst>
+      <p:ext uri="{BB962C8B-B14F-4D97-AF65-F5344CB8AC3E}">
+        <p14:creationId xmlns:p14="http://schemas.microsoft.com/office/powerpoint/2010/main" val="1227704780"/>
       </p:ext>
     </p:extLst>
   </p:cSld>
@@ -4153,7 +4291,106 @@
           <a:bodyPr/>
           <a:lstStyle/>
           <a:p>
-            <a:endParaRPr lang="zh-CN" altLang="en-US"/>
+            <a:r>
+              <a:rPr lang="zh-CN" altLang="en-US"/>
+              <a:t>在进行一些比较复杂的数据提交时，接口的设计方案很重要。</a:t>
+            </a:r>
+            <a:endParaRPr lang="en-US" altLang="zh-CN"/>
+          </a:p>
+          <a:p>
+            <a:endParaRPr lang="en-US" altLang="zh-CN"/>
+          </a:p>
+          <a:p>
+            <a:r>
+              <a:rPr lang="zh-CN" altLang="en-US"/>
+              <a:t>前端接口调用，</a:t>
+            </a:r>
+            <a:r>
+              <a:rPr lang="en-US" altLang="zh-CN"/>
+              <a:t>body</a:t>
+            </a:r>
+            <a:r>
+              <a:rPr lang="zh-CN" altLang="en-US"/>
+              <a:t>数据以</a:t>
+            </a:r>
+            <a:r>
+              <a:rPr lang="en-US" altLang="zh-CN"/>
+              <a:t>JSON</a:t>
+            </a:r>
+            <a:r>
+              <a:rPr lang="zh-CN" altLang="en-US"/>
+              <a:t>格式提交，后端直接进行</a:t>
+            </a:r>
+            <a:r>
+              <a:rPr lang="en-US" altLang="zh-CN"/>
+              <a:t>JSON.parse</a:t>
+            </a:r>
+            <a:r>
+              <a:rPr lang="zh-CN" altLang="en-US"/>
+              <a:t>操作。实践开发来看，这个方式比较简单实用。</a:t>
+            </a:r>
+            <a:endParaRPr lang="en-US" altLang="zh-CN"/>
+          </a:p>
+          <a:p>
+            <a:endParaRPr lang="en-US" altLang="zh-CN"/>
+          </a:p>
+          <a:p>
+            <a:r>
+              <a:rPr lang="en-US" altLang="zh-CN"/>
+              <a:t>XML</a:t>
+            </a:r>
+            <a:r>
+              <a:rPr lang="zh-CN" altLang="en-US"/>
+              <a:t>逐渐退出前后端</a:t>
+            </a:r>
+            <a:r>
+              <a:rPr lang="en-US" altLang="zh-CN"/>
+              <a:t>Web</a:t>
+            </a:r>
+            <a:r>
+              <a:rPr lang="zh-CN" altLang="en-US"/>
+              <a:t>通信的主要原因是：解析不如</a:t>
+            </a:r>
+            <a:r>
+              <a:rPr lang="en-US" altLang="zh-CN"/>
+              <a:t>JSON</a:t>
+            </a:r>
+            <a:r>
+              <a:rPr lang="zh-CN" altLang="en-US"/>
+              <a:t>快；对数据的描述不如</a:t>
+            </a:r>
+            <a:r>
+              <a:rPr lang="en-US" altLang="zh-CN"/>
+              <a:t>JSON</a:t>
+            </a:r>
+            <a:r>
+              <a:rPr lang="zh-CN" altLang="en-US"/>
+              <a:t>轻量，往往一些简单的数据，</a:t>
+            </a:r>
+            <a:r>
+              <a:rPr lang="en-US" altLang="zh-CN"/>
+              <a:t>XML</a:t>
+            </a:r>
+            <a:r>
+              <a:rPr lang="zh-CN" altLang="en-US"/>
+              <a:t>的描述标签比数据本身还要多；</a:t>
+            </a:r>
+            <a:r>
+              <a:rPr lang="en-US" altLang="zh-CN"/>
+              <a:t>JS</a:t>
+            </a:r>
+            <a:r>
+              <a:rPr lang="zh-CN" altLang="en-US"/>
+              <a:t>天生支持</a:t>
+            </a:r>
+            <a:r>
+              <a:rPr lang="en-US" altLang="zh-CN"/>
+              <a:t>JSON</a:t>
+            </a:r>
+            <a:r>
+              <a:rPr lang="zh-CN" altLang="en-US"/>
+              <a:t>。</a:t>
+            </a:r>
           </a:p>
         </p:txBody>
       </p:sp>
@@ -4237,7 +4474,127 @@
           <a:bodyPr/>
           <a:lstStyle/>
           <a:p>
-            <a:endParaRPr lang="zh-CN" altLang="en-US"/>
+            <a:r>
+              <a:rPr lang="en-US" altLang="zh-CN"/>
+              <a:t>HTTP</a:t>
+            </a:r>
+            <a:r>
+              <a:rPr lang="zh-CN" altLang="en-US"/>
+              <a:t>是无状态的协议，实际上，</a:t>
+            </a:r>
+            <a:r>
+              <a:rPr lang="en-US" altLang="zh-CN"/>
+              <a:t>TCP</a:t>
+            </a:r>
+            <a:r>
+              <a:rPr lang="zh-CN" altLang="en-US"/>
+              <a:t>的长连接也不能作为可靠登录状态，登录状态一定是要靠一个可信的</a:t>
+            </a:r>
+            <a:r>
+              <a:rPr lang="en-US" altLang="zh-CN"/>
+              <a:t>token</a:t>
+            </a:r>
+            <a:r>
+              <a:rPr lang="zh-CN" altLang="en-US"/>
+              <a:t>或者说</a:t>
+            </a:r>
+            <a:r>
+              <a:rPr lang="en-US" altLang="zh-CN"/>
+              <a:t>key</a:t>
+            </a:r>
+            <a:r>
+              <a:rPr lang="zh-CN" altLang="en-US"/>
+              <a:t>。</a:t>
+            </a:r>
+            <a:endParaRPr lang="en-US" altLang="zh-CN"/>
+          </a:p>
+          <a:p>
+            <a:endParaRPr lang="en-US" altLang="zh-CN"/>
+          </a:p>
+          <a:p>
+            <a:r>
+              <a:rPr lang="zh-CN" altLang="en-US"/>
+              <a:t>在具体的实现上，存在多种方案：</a:t>
+            </a:r>
+            <a:r>
+              <a:rPr lang="en-US" altLang="zh-CN"/>
+              <a:t>Cookie</a:t>
+            </a:r>
+            <a:r>
+              <a:rPr lang="zh-CN" altLang="en-US"/>
+              <a:t>、</a:t>
+            </a:r>
+            <a:r>
+              <a:rPr lang="en-US" altLang="zh-CN"/>
+              <a:t>Authorization</a:t>
+            </a:r>
+            <a:r>
+              <a:rPr lang="zh-CN" altLang="en-US"/>
+              <a:t>、</a:t>
+            </a:r>
+            <a:r>
+              <a:rPr lang="en-US" altLang="zh-CN"/>
+              <a:t>Token</a:t>
+            </a:r>
+            <a:r>
+              <a:rPr lang="zh-CN" altLang="en-US"/>
+              <a:t>等。</a:t>
+            </a:r>
+            <a:endParaRPr lang="en-US" altLang="zh-CN"/>
+          </a:p>
+          <a:p>
+            <a:endParaRPr lang="en-US" altLang="zh-CN"/>
+          </a:p>
+          <a:p>
+            <a:r>
+              <a:rPr lang="en-US" altLang="zh-CN"/>
+              <a:t>Cookie</a:t>
+            </a:r>
+            <a:r>
+              <a:rPr lang="zh-CN" altLang="en-US"/>
+              <a:t>和</a:t>
+            </a:r>
+            <a:r>
+              <a:rPr lang="en-US" altLang="zh-CN"/>
+              <a:t>Authorization</a:t>
+            </a:r>
+            <a:r>
+              <a:rPr lang="zh-CN" altLang="en-US"/>
+              <a:t>都是利用</a:t>
+            </a:r>
+            <a:r>
+              <a:rPr lang="en-US" altLang="zh-CN"/>
+              <a:t>HTTP</a:t>
+            </a:r>
+            <a:r>
+              <a:rPr lang="zh-CN" altLang="en-US"/>
+              <a:t>消息头来传递关键数据。而</a:t>
+            </a:r>
+            <a:r>
+              <a:rPr lang="en-US" altLang="zh-CN"/>
+              <a:t>Token</a:t>
+            </a:r>
+            <a:r>
+              <a:rPr lang="zh-CN" altLang="en-US"/>
+              <a:t>可以利用前两者或者是其他消息头来传递，也可以利用</a:t>
+            </a:r>
+            <a:r>
+              <a:rPr lang="en-US" altLang="zh-CN"/>
+              <a:t>url</a:t>
+            </a:r>
+            <a:r>
+              <a:rPr lang="zh-CN" altLang="en-US"/>
+              <a:t>的参数。在接口开发中，</a:t>
+            </a:r>
+            <a:r>
+              <a:rPr lang="en-US" altLang="zh-CN"/>
+              <a:t>Token</a:t>
+            </a:r>
+            <a:r>
+              <a:rPr lang="zh-CN" altLang="en-US"/>
+              <a:t>是利用最多的也是最灵活的。</a:t>
+            </a:r>
+            <a:endParaRPr lang="en-US" altLang="zh-CN"/>
           </a:p>
         </p:txBody>
       </p:sp>
@@ -4287,43 +4644,62 @@
             <p:ph type="title"/>
           </p:nvPr>
         </p:nvSpPr>
-        <p:spPr/>
-        <p:txBody>
-          <a:bodyPr/>
-          <a:lstStyle/>
-          <a:p>
-            <a:r>
-              <a:rPr lang="zh-CN" altLang="en-US"/>
-              <a:t>会话存储的方案</a:t>
-            </a:r>
-          </a:p>
-        </p:txBody>
-      </p:sp>
-      <p:sp>
-        <p:nvSpPr>
-          <p:cNvPr id="3" name="内容占位符 2">
-            <a:extLst>
-              <a:ext uri="{FF2B5EF4-FFF2-40B4-BE49-F238E27FC236}">
-                <a16:creationId xmlns:a16="http://schemas.microsoft.com/office/drawing/2014/main" id="{735F0261-95EF-4A77-903C-0C589150A92E}"/>
-              </a:ext>
-            </a:extLst>
-          </p:cNvPr>
-          <p:cNvSpPr>
-            <a:spLocks noGrp="1"/>
-          </p:cNvSpPr>
+        <p:spPr>
+          <a:xfrm>
+            <a:off x="838200" y="329616"/>
+            <a:ext cx="10515600" cy="876534"/>
+          </a:xfrm>
+        </p:spPr>
+        <p:txBody>
+          <a:bodyPr/>
+          <a:lstStyle/>
+          <a:p>
+            <a:r>
+              <a:rPr lang="en-US" altLang="zh-CN"/>
+              <a:t>Cookie</a:t>
+            </a:r>
+            <a:r>
+              <a:rPr lang="zh-CN" altLang="en-US"/>
+              <a:t>方式的流程</a:t>
+            </a:r>
+          </a:p>
+        </p:txBody>
+      </p:sp>
+      <p:pic>
+        <p:nvPicPr>
+          <p:cNvPr id="5" name="内容占位符 4">
+            <a:extLst>
+              <a:ext uri="{FF2B5EF4-FFF2-40B4-BE49-F238E27FC236}">
+                <a16:creationId xmlns:a16="http://schemas.microsoft.com/office/drawing/2014/main" id="{5938F17C-CD35-4A49-91D4-19C02B58F4A0}"/>
+              </a:ext>
+            </a:extLst>
+          </p:cNvPr>
+          <p:cNvPicPr>
+            <a:picLocks noGrp="1" noChangeAspect="1"/>
+          </p:cNvPicPr>
           <p:nvPr>
             <p:ph idx="1"/>
           </p:nvPr>
-        </p:nvSpPr>
-        <p:spPr/>
-        <p:txBody>
-          <a:bodyPr/>
-          <a:lstStyle/>
-          <a:p>
-            <a:endParaRPr lang="zh-CN" altLang="en-US"/>
-          </a:p>
-        </p:txBody>
-      </p:sp>
+        </p:nvPicPr>
+        <p:blipFill>
+          <a:blip r:embed="rId2">
+            <a:extLst>
+              <a:ext uri="{28A0092B-C50C-407E-A947-70E740481C1C}">
+                <a14:useLocalDpi xmlns:a14="http://schemas.microsoft.com/office/drawing/2010/main" val="0"/>
+              </a:ext>
+            </a:extLst>
+          </a:blip>
+          <a:stretch>
+            <a:fillRect/>
+          </a:stretch>
+        </p:blipFill>
+        <p:spPr>
+          <a:xfrm>
+            <a:off x="2155766" y="1127962"/>
+            <a:ext cx="7880468" cy="5570234"/>
+          </a:xfrm>
+        </p:spPr>
+      </p:pic>
     </p:spTree>
     <p:extLst>
       <p:ext uri="{BB962C8B-B14F-4D97-AF65-F5344CB8AC3E}">
@@ -4403,7 +4779,105 @@
           <a:bodyPr/>
           <a:lstStyle/>
           <a:p>
-            <a:endParaRPr lang="zh-CN" altLang="en-US"/>
+            <a:r>
+              <a:rPr lang="zh-CN" altLang="en-US"/>
+              <a:t>首先要说明的是，没有绝对安全的存储方案。</a:t>
+            </a:r>
+            <a:endParaRPr lang="en-US" altLang="zh-CN"/>
+          </a:p>
+          <a:p>
+            <a:endParaRPr lang="en-US" altLang="zh-CN"/>
+          </a:p>
+          <a:p>
+            <a:r>
+              <a:rPr lang="zh-CN" altLang="en-US"/>
+              <a:t>早期的</a:t>
+            </a:r>
+            <a:r>
+              <a:rPr lang="en-US" altLang="zh-CN"/>
+              <a:t>cookie</a:t>
+            </a:r>
+            <a:r>
+              <a:rPr lang="zh-CN" altLang="en-US"/>
+              <a:t>使用是非常不安全的，现在</a:t>
+            </a:r>
+            <a:r>
+              <a:rPr lang="en-US" altLang="zh-CN"/>
+              <a:t>cookie</a:t>
+            </a:r>
+            <a:r>
+              <a:rPr lang="zh-CN" altLang="en-US"/>
+              <a:t>仍然被很多系统使用，虽然抛弃</a:t>
+            </a:r>
+            <a:r>
+              <a:rPr lang="en-US" altLang="zh-CN"/>
+              <a:t>cookie</a:t>
+            </a:r>
+            <a:r>
+              <a:rPr lang="zh-CN" altLang="en-US"/>
+              <a:t>越来越成为主流，但是积重难返，很多互联网公司都还有大量基于</a:t>
+            </a:r>
+            <a:r>
+              <a:rPr lang="en-US" altLang="zh-CN"/>
+              <a:t>cookie</a:t>
+            </a:r>
+            <a:r>
+              <a:rPr lang="zh-CN" altLang="en-US"/>
+              <a:t>的应用。</a:t>
+            </a:r>
+            <a:endParaRPr lang="en-US" altLang="zh-CN"/>
+          </a:p>
+          <a:p>
+            <a:endParaRPr lang="en-US" altLang="zh-CN"/>
+          </a:p>
+          <a:p>
+            <a:r>
+              <a:rPr lang="zh-CN" altLang="en-US"/>
+              <a:t>尤其是很多公司还要基于</a:t>
+            </a:r>
+            <a:r>
+              <a:rPr lang="en-US" altLang="zh-CN"/>
+              <a:t>cookie</a:t>
+            </a:r>
+            <a:r>
+              <a:rPr lang="zh-CN" altLang="en-US"/>
+              <a:t>跟踪用户，并根据分析结果进行广告的投放，或者是要基于</a:t>
+            </a:r>
+            <a:r>
+              <a:rPr lang="en-US" altLang="zh-CN"/>
+              <a:t>cookie</a:t>
+            </a:r>
+            <a:r>
+              <a:rPr lang="zh-CN" altLang="en-US"/>
+              <a:t>的跟踪进行广告结算。</a:t>
+            </a:r>
+            <a:endParaRPr lang="en-US" altLang="zh-CN"/>
+          </a:p>
+          <a:p>
+            <a:endParaRPr lang="en-US" altLang="zh-CN"/>
+          </a:p>
+          <a:p>
+            <a:r>
+              <a:rPr lang="zh-CN" altLang="en-US"/>
+              <a:t>但是在接口服务来说，使用</a:t>
+            </a:r>
+            <a:r>
+              <a:rPr lang="en-US" altLang="zh-CN"/>
+              <a:t>token</a:t>
+            </a:r>
+            <a:r>
+              <a:rPr lang="zh-CN" altLang="en-US"/>
+              <a:t>的方式，并且通过</a:t>
+            </a:r>
+            <a:r>
+              <a:rPr lang="en-US" altLang="zh-CN"/>
+              <a:t>url</a:t>
+            </a:r>
+            <a:r>
+              <a:rPr lang="zh-CN" altLang="en-US"/>
+              <a:t>的参数传递是最通用的选择。</a:t>
+            </a:r>
+            <a:endParaRPr lang="en-US" altLang="zh-CN"/>
           </a:p>
         </p:txBody>
       </p:sp>
@@ -4442,7 +4916,7 @@
           <p:cNvPr id="2" name="标题 1">
             <a:extLst>
               <a:ext uri="{FF2B5EF4-FFF2-40B4-BE49-F238E27FC236}">
-                <a16:creationId xmlns:a16="http://schemas.microsoft.com/office/drawing/2014/main" id="{14E9355E-652F-436C-B3B0-4D81DA18977B}"/>
+                <a16:creationId xmlns:a16="http://schemas.microsoft.com/office/drawing/2014/main" id="{C34CC201-C1BA-4A9E-A9C3-0BF301FF5A63}"/>
               </a:ext>
             </a:extLst>
           </p:cNvPr>
@@ -4459,19 +4933,22 @@
           <a:lstStyle/>
           <a:p>
             <a:r>
-              <a:rPr lang="zh-CN" altLang="en-US"/>
-              <a:t>跨域问题</a:t>
-            </a:r>
-            <a:endParaRPr lang="zh-CN" altLang="en-US" dirty="0"/>
-          </a:p>
-        </p:txBody>
-      </p:sp>
-      <p:sp>
-        <p:nvSpPr>
-          <p:cNvPr id="10" name="内容占位符 9">
-            <a:extLst>
-              <a:ext uri="{FF2B5EF4-FFF2-40B4-BE49-F238E27FC236}">
-                <a16:creationId xmlns:a16="http://schemas.microsoft.com/office/drawing/2014/main" id="{6491841B-3357-4BCF-8DA0-0EAD0E04D1BE}"/>
+              <a:rPr lang="en-US" altLang="zh-CN"/>
+              <a:t>token</a:t>
+            </a:r>
+            <a:r>
+              <a:rPr lang="zh-CN" altLang="en-US"/>
+              <a:t>和会话处理</a:t>
+            </a:r>
+          </a:p>
+        </p:txBody>
+      </p:sp>
+      <p:sp>
+        <p:nvSpPr>
+          <p:cNvPr id="3" name="内容占位符 2">
+            <a:extLst>
+              <a:ext uri="{FF2B5EF4-FFF2-40B4-BE49-F238E27FC236}">
+                <a16:creationId xmlns:a16="http://schemas.microsoft.com/office/drawing/2014/main" id="{D796E38C-ED01-43A7-A0D2-2B60B4E653D5}"/>
               </a:ext>
             </a:extLst>
           </p:cNvPr>
@@ -4494,7 +4971,7 @@
     </p:spTree>
     <p:extLst>
       <p:ext uri="{BB962C8B-B14F-4D97-AF65-F5344CB8AC3E}">
-        <p14:creationId xmlns:p14="http://schemas.microsoft.com/office/powerpoint/2010/main" val="3722286286"/>
+        <p14:creationId xmlns:p14="http://schemas.microsoft.com/office/powerpoint/2010/main" val="1240878975"/>
       </p:ext>
     </p:extLst>
   </p:cSld>
@@ -4526,7 +5003,7 @@
           <p:cNvPr id="2" name="标题 1">
             <a:extLst>
               <a:ext uri="{FF2B5EF4-FFF2-40B4-BE49-F238E27FC236}">
-                <a16:creationId xmlns:a16="http://schemas.microsoft.com/office/drawing/2014/main" id="{0371DB66-8CF6-4B09-B21E-32ACBB76D009}"/>
+                <a16:creationId xmlns:a16="http://schemas.microsoft.com/office/drawing/2014/main" id="{7912E2F4-D52F-4D7A-B011-ED471BF8B1FB}"/>
               </a:ext>
             </a:extLst>
           </p:cNvPr>
@@ -4544,7 +5021,7 @@
           <a:p>
             <a:r>
               <a:rPr lang="zh-CN" altLang="en-US"/>
-              <a:t>如何解决跨域</a:t>
+              <a:t>模拟用户登录</a:t>
             </a:r>
           </a:p>
         </p:txBody>
@@ -4554,7 +5031,7 @@
           <p:cNvPr id="3" name="内容占位符 2">
             <a:extLst>
               <a:ext uri="{FF2B5EF4-FFF2-40B4-BE49-F238E27FC236}">
-                <a16:creationId xmlns:a16="http://schemas.microsoft.com/office/drawing/2014/main" id="{4657DACF-A999-4081-AAC3-B29D00F52CEE}"/>
+                <a16:creationId xmlns:a16="http://schemas.microsoft.com/office/drawing/2014/main" id="{5DC5A948-CA7C-4E0C-BCF0-79E7DF77B95A}"/>
               </a:ext>
             </a:extLst>
           </p:cNvPr>
@@ -4577,7 +5054,7 @@
     </p:spTree>
     <p:extLst>
       <p:ext uri="{BB962C8B-B14F-4D97-AF65-F5344CB8AC3E}">
-        <p14:creationId xmlns:p14="http://schemas.microsoft.com/office/powerpoint/2010/main" val="3767247021"/>
+        <p14:creationId xmlns:p14="http://schemas.microsoft.com/office/powerpoint/2010/main" val="2856751004"/>
       </p:ext>
     </p:extLst>
   </p:cSld>
@@ -4609,7 +5086,7 @@
           <p:cNvPr id="2" name="标题 1">
             <a:extLst>
               <a:ext uri="{FF2B5EF4-FFF2-40B4-BE49-F238E27FC236}">
-                <a16:creationId xmlns:a16="http://schemas.microsoft.com/office/drawing/2014/main" id="{AA674828-64B6-4C32-B35B-D025E6426C20}"/>
+                <a16:creationId xmlns:a16="http://schemas.microsoft.com/office/drawing/2014/main" id="{14E9355E-652F-436C-B3B0-4D81DA18977B}"/>
               </a:ext>
             </a:extLst>
           </p:cNvPr>
@@ -4627,17 +5104,18 @@
           <a:p>
             <a:r>
               <a:rPr lang="zh-CN" altLang="en-US"/>
-              <a:t>中间件</a:t>
-            </a:r>
-          </a:p>
-        </p:txBody>
-      </p:sp>
-      <p:sp>
-        <p:nvSpPr>
-          <p:cNvPr id="3" name="内容占位符 2">
-            <a:extLst>
-              <a:ext uri="{FF2B5EF4-FFF2-40B4-BE49-F238E27FC236}">
-                <a16:creationId xmlns:a16="http://schemas.microsoft.com/office/drawing/2014/main" id="{A652301B-06FD-4058-9A45-5A37D3BA95F4}"/>
+              <a:t>跨域问题</a:t>
+            </a:r>
+            <a:endParaRPr lang="zh-CN" altLang="en-US" dirty="0"/>
+          </a:p>
+        </p:txBody>
+      </p:sp>
+      <p:sp>
+        <p:nvSpPr>
+          <p:cNvPr id="10" name="内容占位符 9">
+            <a:extLst>
+              <a:ext uri="{FF2B5EF4-FFF2-40B4-BE49-F238E27FC236}">
+                <a16:creationId xmlns:a16="http://schemas.microsoft.com/office/drawing/2014/main" id="{6491841B-3357-4BCF-8DA0-0EAD0E04D1BE}"/>
               </a:ext>
             </a:extLst>
           </p:cNvPr>
@@ -4660,7 +5138,7 @@
     </p:spTree>
     <p:extLst>
       <p:ext uri="{BB962C8B-B14F-4D97-AF65-F5344CB8AC3E}">
-        <p14:creationId xmlns:p14="http://schemas.microsoft.com/office/powerpoint/2010/main" val="3444132504"/>
+        <p14:creationId xmlns:p14="http://schemas.microsoft.com/office/powerpoint/2010/main" val="3722286286"/>
       </p:ext>
     </p:extLst>
   </p:cSld>
@@ -4692,7 +5170,7 @@
           <p:cNvPr id="2" name="标题 1">
             <a:extLst>
               <a:ext uri="{FF2B5EF4-FFF2-40B4-BE49-F238E27FC236}">
-                <a16:creationId xmlns:a16="http://schemas.microsoft.com/office/drawing/2014/main" id="{14E9355E-652F-436C-B3B0-4D81DA18977B}"/>
+                <a16:creationId xmlns:a16="http://schemas.microsoft.com/office/drawing/2014/main" id="{0371DB66-8CF6-4B09-B21E-32ACBB76D009}"/>
               </a:ext>
             </a:extLst>
           </p:cNvPr>
@@ -4710,18 +5188,17 @@
           <a:p>
             <a:r>
               <a:rPr lang="zh-CN" altLang="en-US"/>
-              <a:t>使用中间件对程序分层</a:t>
-            </a:r>
-            <a:endParaRPr lang="zh-CN" altLang="en-US" dirty="0"/>
-          </a:p>
-        </p:txBody>
-      </p:sp>
-      <p:sp>
-        <p:nvSpPr>
-          <p:cNvPr id="11" name="内容占位符 10">
-            <a:extLst>
-              <a:ext uri="{FF2B5EF4-FFF2-40B4-BE49-F238E27FC236}">
-                <a16:creationId xmlns:a16="http://schemas.microsoft.com/office/drawing/2014/main" id="{722BB35D-6C21-4F0B-A227-B152A483727A}"/>
+              <a:t>如何解决跨域</a:t>
+            </a:r>
+          </a:p>
+        </p:txBody>
+      </p:sp>
+      <p:sp>
+        <p:nvSpPr>
+          <p:cNvPr id="3" name="内容占位符 2">
+            <a:extLst>
+              <a:ext uri="{FF2B5EF4-FFF2-40B4-BE49-F238E27FC236}">
+                <a16:creationId xmlns:a16="http://schemas.microsoft.com/office/drawing/2014/main" id="{4657DACF-A999-4081-AAC3-B29D00F52CEE}"/>
               </a:ext>
             </a:extLst>
           </p:cNvPr>
@@ -4744,7 +5221,7 @@
     </p:spTree>
     <p:extLst>
       <p:ext uri="{BB962C8B-B14F-4D97-AF65-F5344CB8AC3E}">
-        <p14:creationId xmlns:p14="http://schemas.microsoft.com/office/powerpoint/2010/main" val="2052499412"/>
+        <p14:creationId xmlns:p14="http://schemas.microsoft.com/office/powerpoint/2010/main" val="3767247021"/>
       </p:ext>
     </p:extLst>
   </p:cSld>

--- a/materials/ch09/ch09-HTTP协议和复杂通信.pptx
+++ b/materials/ch09/ch09-HTTP协议和复杂通信.pptx
@@ -9,18 +9,20 @@
     <p:sldId id="276" r:id="rId3"/>
     <p:sldId id="259" r:id="rId4"/>
     <p:sldId id="274" r:id="rId5"/>
-    <p:sldId id="275" r:id="rId6"/>
-    <p:sldId id="285" r:id="rId7"/>
-    <p:sldId id="286" r:id="rId8"/>
-    <p:sldId id="264" r:id="rId9"/>
-    <p:sldId id="271" r:id="rId10"/>
-    <p:sldId id="279" r:id="rId11"/>
-    <p:sldId id="257" r:id="rId12"/>
-    <p:sldId id="280" r:id="rId13"/>
-    <p:sldId id="281" r:id="rId14"/>
-    <p:sldId id="282" r:id="rId15"/>
-    <p:sldId id="283" r:id="rId16"/>
-    <p:sldId id="284" r:id="rId17"/>
+    <p:sldId id="287" r:id="rId6"/>
+    <p:sldId id="288" r:id="rId7"/>
+    <p:sldId id="275" r:id="rId8"/>
+    <p:sldId id="285" r:id="rId9"/>
+    <p:sldId id="286" r:id="rId10"/>
+    <p:sldId id="264" r:id="rId11"/>
+    <p:sldId id="271" r:id="rId12"/>
+    <p:sldId id="279" r:id="rId13"/>
+    <p:sldId id="257" r:id="rId14"/>
+    <p:sldId id="280" r:id="rId15"/>
+    <p:sldId id="281" r:id="rId16"/>
+    <p:sldId id="282" r:id="rId17"/>
+    <p:sldId id="283" r:id="rId18"/>
+    <p:sldId id="284" r:id="rId19"/>
   </p:sldIdLst>
   <p:sldSz cx="12192000" cy="6858000"/>
   <p:notesSz cx="6858000" cy="9144000"/>
@@ -553,7 +555,7 @@
           <a:p>
             <a:fld id="{10955001-8E90-43AD-87AF-166875BDDBE4}" type="datetimeFigureOut">
               <a:rPr lang="zh-CN" altLang="en-US" smtClean="0"/>
-              <a:t>2020/8/28</a:t>
+              <a:t>2020/9/2</a:t>
             </a:fld>
             <a:endParaRPr lang="zh-CN" altLang="en-US"/>
           </a:p>
@@ -785,7 +787,7 @@
           <a:p>
             <a:fld id="{10955001-8E90-43AD-87AF-166875BDDBE4}" type="datetimeFigureOut">
               <a:rPr lang="zh-CN" altLang="en-US" smtClean="0"/>
-              <a:t>2020/8/28</a:t>
+              <a:t>2020/9/2</a:t>
             </a:fld>
             <a:endParaRPr lang="zh-CN" altLang="en-US"/>
           </a:p>
@@ -1283,7 +1285,7 @@
           <a:p>
             <a:fld id="{10955001-8E90-43AD-87AF-166875BDDBE4}" type="datetimeFigureOut">
               <a:rPr lang="zh-CN" altLang="en-US" smtClean="0"/>
-              <a:t>2020/8/28</a:t>
+              <a:t>2020/9/2</a:t>
             </a:fld>
             <a:endParaRPr lang="zh-CN" altLang="en-US"/>
           </a:p>
@@ -1712,7 +1714,7 @@
           <a:p>
             <a:fld id="{10955001-8E90-43AD-87AF-166875BDDBE4}" type="datetimeFigureOut">
               <a:rPr lang="zh-CN" altLang="en-US" smtClean="0"/>
-              <a:t>2020/8/28</a:t>
+              <a:t>2020/9/2</a:t>
             </a:fld>
             <a:endParaRPr lang="zh-CN" altLang="en-US"/>
           </a:p>
@@ -2229,7 +2231,7 @@
           <a:p>
             <a:fld id="{10955001-8E90-43AD-87AF-166875BDDBE4}" type="datetimeFigureOut">
               <a:rPr lang="zh-CN" altLang="en-US" smtClean="0"/>
-              <a:t>2020/8/28</a:t>
+              <a:t>2020/9/2</a:t>
             </a:fld>
             <a:endParaRPr lang="zh-CN" altLang="en-US"/>
           </a:p>
@@ -2689,7 +2691,7 @@
           <a:p>
             <a:fld id="{10955001-8E90-43AD-87AF-166875BDDBE4}" type="datetimeFigureOut">
               <a:rPr lang="zh-CN" altLang="en-US" smtClean="0"/>
-              <a:t>2020/8/28</a:t>
+              <a:t>2020/9/2</a:t>
             </a:fld>
             <a:endParaRPr lang="zh-CN" altLang="en-US"/>
           </a:p>
@@ -3001,7 +3003,7 @@
           <a:p>
             <a:fld id="{10955001-8E90-43AD-87AF-166875BDDBE4}" type="datetimeFigureOut">
               <a:rPr lang="zh-CN" altLang="en-US" smtClean="0"/>
-              <a:t>2020/8/28</a:t>
+              <a:t>2020/9/2</a:t>
             </a:fld>
             <a:endParaRPr lang="zh-CN" altLang="en-US"/>
           </a:p>
@@ -3641,7 +3643,7 @@
           <p:cNvPr id="2" name="标题 1">
             <a:extLst>
               <a:ext uri="{FF2B5EF4-FFF2-40B4-BE49-F238E27FC236}">
-                <a16:creationId xmlns:a16="http://schemas.microsoft.com/office/drawing/2014/main" id="{AA674828-64B6-4C32-B35B-D025E6426C20}"/>
+                <a16:creationId xmlns:a16="http://schemas.microsoft.com/office/drawing/2014/main" id="{14E9355E-652F-436C-B3B0-4D81DA18977B}"/>
               </a:ext>
             </a:extLst>
           </p:cNvPr>
@@ -3659,17 +3661,18 @@
           <a:p>
             <a:r>
               <a:rPr lang="zh-CN" altLang="en-US"/>
-              <a:t>中间件</a:t>
-            </a:r>
-          </a:p>
-        </p:txBody>
-      </p:sp>
-      <p:sp>
-        <p:nvSpPr>
-          <p:cNvPr id="3" name="内容占位符 2">
-            <a:extLst>
-              <a:ext uri="{FF2B5EF4-FFF2-40B4-BE49-F238E27FC236}">
-                <a16:creationId xmlns:a16="http://schemas.microsoft.com/office/drawing/2014/main" id="{A652301B-06FD-4058-9A45-5A37D3BA95F4}"/>
+              <a:t>跨域问题</a:t>
+            </a:r>
+            <a:endParaRPr lang="zh-CN" altLang="en-US" dirty="0"/>
+          </a:p>
+        </p:txBody>
+      </p:sp>
+      <p:sp>
+        <p:nvSpPr>
+          <p:cNvPr id="10" name="内容占位符 9">
+            <a:extLst>
+              <a:ext uri="{FF2B5EF4-FFF2-40B4-BE49-F238E27FC236}">
+                <a16:creationId xmlns:a16="http://schemas.microsoft.com/office/drawing/2014/main" id="{6491841B-3357-4BCF-8DA0-0EAD0E04D1BE}"/>
               </a:ext>
             </a:extLst>
           </p:cNvPr>
@@ -3692,7 +3695,7 @@
     </p:spTree>
     <p:extLst>
       <p:ext uri="{BB962C8B-B14F-4D97-AF65-F5344CB8AC3E}">
-        <p14:creationId xmlns:p14="http://schemas.microsoft.com/office/powerpoint/2010/main" val="3444132504"/>
+        <p14:creationId xmlns:p14="http://schemas.microsoft.com/office/powerpoint/2010/main" val="3722286286"/>
       </p:ext>
     </p:extLst>
   </p:cSld>
@@ -3724,7 +3727,7 @@
           <p:cNvPr id="2" name="标题 1">
             <a:extLst>
               <a:ext uri="{FF2B5EF4-FFF2-40B4-BE49-F238E27FC236}">
-                <a16:creationId xmlns:a16="http://schemas.microsoft.com/office/drawing/2014/main" id="{14E9355E-652F-436C-B3B0-4D81DA18977B}"/>
+                <a16:creationId xmlns:a16="http://schemas.microsoft.com/office/drawing/2014/main" id="{0371DB66-8CF6-4B09-B21E-32ACBB76D009}"/>
               </a:ext>
             </a:extLst>
           </p:cNvPr>
@@ -3742,18 +3745,17 @@
           <a:p>
             <a:r>
               <a:rPr lang="zh-CN" altLang="en-US"/>
-              <a:t>使用中间件对程序分层</a:t>
-            </a:r>
-            <a:endParaRPr lang="zh-CN" altLang="en-US" dirty="0"/>
-          </a:p>
-        </p:txBody>
-      </p:sp>
-      <p:sp>
-        <p:nvSpPr>
-          <p:cNvPr id="11" name="内容占位符 10">
-            <a:extLst>
-              <a:ext uri="{FF2B5EF4-FFF2-40B4-BE49-F238E27FC236}">
-                <a16:creationId xmlns:a16="http://schemas.microsoft.com/office/drawing/2014/main" id="{722BB35D-6C21-4F0B-A227-B152A483727A}"/>
+              <a:t>如何解决跨域</a:t>
+            </a:r>
+          </a:p>
+        </p:txBody>
+      </p:sp>
+      <p:sp>
+        <p:nvSpPr>
+          <p:cNvPr id="3" name="内容占位符 2">
+            <a:extLst>
+              <a:ext uri="{FF2B5EF4-FFF2-40B4-BE49-F238E27FC236}">
+                <a16:creationId xmlns:a16="http://schemas.microsoft.com/office/drawing/2014/main" id="{4657DACF-A999-4081-AAC3-B29D00F52CEE}"/>
               </a:ext>
             </a:extLst>
           </p:cNvPr>
@@ -3776,7 +3778,7 @@
     </p:spTree>
     <p:extLst>
       <p:ext uri="{BB962C8B-B14F-4D97-AF65-F5344CB8AC3E}">
-        <p14:creationId xmlns:p14="http://schemas.microsoft.com/office/powerpoint/2010/main" val="2052499412"/>
+        <p14:creationId xmlns:p14="http://schemas.microsoft.com/office/powerpoint/2010/main" val="3767247021"/>
       </p:ext>
     </p:extLst>
   </p:cSld>
@@ -3808,7 +3810,7 @@
           <p:cNvPr id="2" name="标题 1">
             <a:extLst>
               <a:ext uri="{FF2B5EF4-FFF2-40B4-BE49-F238E27FC236}">
-                <a16:creationId xmlns:a16="http://schemas.microsoft.com/office/drawing/2014/main" id="{890582C0-9CF5-40BD-89BB-B9F17D1E05A2}"/>
+                <a16:creationId xmlns:a16="http://schemas.microsoft.com/office/drawing/2014/main" id="{AA674828-64B6-4C32-B35B-D025E6426C20}"/>
               </a:ext>
             </a:extLst>
           </p:cNvPr>
@@ -3826,7 +3828,7 @@
           <a:p>
             <a:r>
               <a:rPr lang="zh-CN" altLang="en-US"/>
-              <a:t>数据库</a:t>
+              <a:t>中间件</a:t>
             </a:r>
           </a:p>
         </p:txBody>
@@ -3836,7 +3838,7 @@
           <p:cNvPr id="3" name="内容占位符 2">
             <a:extLst>
               <a:ext uri="{FF2B5EF4-FFF2-40B4-BE49-F238E27FC236}">
-                <a16:creationId xmlns:a16="http://schemas.microsoft.com/office/drawing/2014/main" id="{04827E7F-7ECC-4EC3-829A-1A7361C2A0C5}"/>
+                <a16:creationId xmlns:a16="http://schemas.microsoft.com/office/drawing/2014/main" id="{A652301B-06FD-4058-9A45-5A37D3BA95F4}"/>
               </a:ext>
             </a:extLst>
           </p:cNvPr>
@@ -3859,7 +3861,7 @@
     </p:spTree>
     <p:extLst>
       <p:ext uri="{BB962C8B-B14F-4D97-AF65-F5344CB8AC3E}">
-        <p14:creationId xmlns:p14="http://schemas.microsoft.com/office/powerpoint/2010/main" val="1531795847"/>
+        <p14:creationId xmlns:p14="http://schemas.microsoft.com/office/powerpoint/2010/main" val="3444132504"/>
       </p:ext>
     </p:extLst>
   </p:cSld>
@@ -3891,7 +3893,7 @@
           <p:cNvPr id="2" name="标题 1">
             <a:extLst>
               <a:ext uri="{FF2B5EF4-FFF2-40B4-BE49-F238E27FC236}">
-                <a16:creationId xmlns:a16="http://schemas.microsoft.com/office/drawing/2014/main" id="{2B206B12-2419-4DD2-9F9C-A083B3EFEE36}"/>
+                <a16:creationId xmlns:a16="http://schemas.microsoft.com/office/drawing/2014/main" id="{14E9355E-652F-436C-B3B0-4D81DA18977B}"/>
               </a:ext>
             </a:extLst>
           </p:cNvPr>
@@ -3909,17 +3911,18 @@
           <a:p>
             <a:r>
               <a:rPr lang="zh-CN" altLang="en-US"/>
-              <a:t>使用数据库</a:t>
-            </a:r>
-          </a:p>
-        </p:txBody>
-      </p:sp>
-      <p:sp>
-        <p:nvSpPr>
-          <p:cNvPr id="3" name="内容占位符 2">
-            <a:extLst>
-              <a:ext uri="{FF2B5EF4-FFF2-40B4-BE49-F238E27FC236}">
-                <a16:creationId xmlns:a16="http://schemas.microsoft.com/office/drawing/2014/main" id="{4DA64EAE-D0EB-466A-9E77-CDE6A96D9A37}"/>
+              <a:t>使用中间件对程序分层</a:t>
+            </a:r>
+            <a:endParaRPr lang="zh-CN" altLang="en-US" dirty="0"/>
+          </a:p>
+        </p:txBody>
+      </p:sp>
+      <p:sp>
+        <p:nvSpPr>
+          <p:cNvPr id="11" name="内容占位符 10">
+            <a:extLst>
+              <a:ext uri="{FF2B5EF4-FFF2-40B4-BE49-F238E27FC236}">
+                <a16:creationId xmlns:a16="http://schemas.microsoft.com/office/drawing/2014/main" id="{722BB35D-6C21-4F0B-A227-B152A483727A}"/>
               </a:ext>
             </a:extLst>
           </p:cNvPr>
@@ -3942,7 +3945,7 @@
     </p:spTree>
     <p:extLst>
       <p:ext uri="{BB962C8B-B14F-4D97-AF65-F5344CB8AC3E}">
-        <p14:creationId xmlns:p14="http://schemas.microsoft.com/office/powerpoint/2010/main" val="1869127447"/>
+        <p14:creationId xmlns:p14="http://schemas.microsoft.com/office/powerpoint/2010/main" val="2052499412"/>
       </p:ext>
     </p:extLst>
   </p:cSld>
@@ -3974,7 +3977,7 @@
           <p:cNvPr id="2" name="标题 1">
             <a:extLst>
               <a:ext uri="{FF2B5EF4-FFF2-40B4-BE49-F238E27FC236}">
-                <a16:creationId xmlns:a16="http://schemas.microsoft.com/office/drawing/2014/main" id="{57FEF634-F102-4868-8C7E-790011909F42}"/>
+                <a16:creationId xmlns:a16="http://schemas.microsoft.com/office/drawing/2014/main" id="{890582C0-9CF5-40BD-89BB-B9F17D1E05A2}"/>
               </a:ext>
             </a:extLst>
           </p:cNvPr>
@@ -3991,12 +3994,8 @@
           <a:lstStyle/>
           <a:p>
             <a:r>
-              <a:rPr lang="en-US" altLang="zh-CN"/>
-              <a:t>postgresql</a:t>
-            </a:r>
-            <a:r>
-              <a:rPr lang="zh-CN" altLang="en-US"/>
-              <a:t>安装</a:t>
+              <a:rPr lang="zh-CN" altLang="en-US"/>
+              <a:t>数据库</a:t>
             </a:r>
           </a:p>
         </p:txBody>
@@ -4006,7 +4005,7 @@
           <p:cNvPr id="3" name="内容占位符 2">
             <a:extLst>
               <a:ext uri="{FF2B5EF4-FFF2-40B4-BE49-F238E27FC236}">
-                <a16:creationId xmlns:a16="http://schemas.microsoft.com/office/drawing/2014/main" id="{4144CDF5-07E8-483E-B4D7-641611911CD6}"/>
+                <a16:creationId xmlns:a16="http://schemas.microsoft.com/office/drawing/2014/main" id="{04827E7F-7ECC-4EC3-829A-1A7361C2A0C5}"/>
               </a:ext>
             </a:extLst>
           </p:cNvPr>
@@ -4029,7 +4028,7 @@
     </p:spTree>
     <p:extLst>
       <p:ext uri="{BB962C8B-B14F-4D97-AF65-F5344CB8AC3E}">
-        <p14:creationId xmlns:p14="http://schemas.microsoft.com/office/powerpoint/2010/main" val="2494796886"/>
+        <p14:creationId xmlns:p14="http://schemas.microsoft.com/office/powerpoint/2010/main" val="1531795847"/>
       </p:ext>
     </p:extLst>
   </p:cSld>
@@ -4061,6 +4060,176 @@
           <p:cNvPr id="2" name="标题 1">
             <a:extLst>
               <a:ext uri="{FF2B5EF4-FFF2-40B4-BE49-F238E27FC236}">
+                <a16:creationId xmlns:a16="http://schemas.microsoft.com/office/drawing/2014/main" id="{2B206B12-2419-4DD2-9F9C-A083B3EFEE36}"/>
+              </a:ext>
+            </a:extLst>
+          </p:cNvPr>
+          <p:cNvSpPr>
+            <a:spLocks noGrp="1"/>
+          </p:cNvSpPr>
+          <p:nvPr>
+            <p:ph type="title"/>
+          </p:nvPr>
+        </p:nvSpPr>
+        <p:spPr/>
+        <p:txBody>
+          <a:bodyPr/>
+          <a:lstStyle/>
+          <a:p>
+            <a:r>
+              <a:rPr lang="zh-CN" altLang="en-US"/>
+              <a:t>使用数据库</a:t>
+            </a:r>
+          </a:p>
+        </p:txBody>
+      </p:sp>
+      <p:sp>
+        <p:nvSpPr>
+          <p:cNvPr id="3" name="内容占位符 2">
+            <a:extLst>
+              <a:ext uri="{FF2B5EF4-FFF2-40B4-BE49-F238E27FC236}">
+                <a16:creationId xmlns:a16="http://schemas.microsoft.com/office/drawing/2014/main" id="{4DA64EAE-D0EB-466A-9E77-CDE6A96D9A37}"/>
+              </a:ext>
+            </a:extLst>
+          </p:cNvPr>
+          <p:cNvSpPr>
+            <a:spLocks noGrp="1"/>
+          </p:cNvSpPr>
+          <p:nvPr>
+            <p:ph idx="1"/>
+          </p:nvPr>
+        </p:nvSpPr>
+        <p:spPr/>
+        <p:txBody>
+          <a:bodyPr/>
+          <a:lstStyle/>
+          <a:p>
+            <a:endParaRPr lang="zh-CN" altLang="en-US"/>
+          </a:p>
+        </p:txBody>
+      </p:sp>
+    </p:spTree>
+    <p:extLst>
+      <p:ext uri="{BB962C8B-B14F-4D97-AF65-F5344CB8AC3E}">
+        <p14:creationId xmlns:p14="http://schemas.microsoft.com/office/powerpoint/2010/main" val="1869127447"/>
+      </p:ext>
+    </p:extLst>
+  </p:cSld>
+  <p:clrMapOvr>
+    <a:masterClrMapping/>
+  </p:clrMapOvr>
+</p:sld>
+</file>
+
+<file path=ppt/slides/slide16.xml><?xml version="1.0" encoding="utf-8"?>
+<p:sld xmlns:a="http://schemas.openxmlformats.org/drawingml/2006/main" xmlns:r="http://schemas.openxmlformats.org/officeDocument/2006/relationships" xmlns:p="http://schemas.openxmlformats.org/presentationml/2006/main">
+  <p:cSld>
+    <p:spTree>
+      <p:nvGrpSpPr>
+        <p:cNvPr id="1" name=""/>
+        <p:cNvGrpSpPr/>
+        <p:nvPr/>
+      </p:nvGrpSpPr>
+      <p:grpSpPr>
+        <a:xfrm>
+          <a:off x="0" y="0"/>
+          <a:ext cx="0" cy="0"/>
+          <a:chOff x="0" y="0"/>
+          <a:chExt cx="0" cy="0"/>
+        </a:xfrm>
+      </p:grpSpPr>
+      <p:sp>
+        <p:nvSpPr>
+          <p:cNvPr id="2" name="标题 1">
+            <a:extLst>
+              <a:ext uri="{FF2B5EF4-FFF2-40B4-BE49-F238E27FC236}">
+                <a16:creationId xmlns:a16="http://schemas.microsoft.com/office/drawing/2014/main" id="{57FEF634-F102-4868-8C7E-790011909F42}"/>
+              </a:ext>
+            </a:extLst>
+          </p:cNvPr>
+          <p:cNvSpPr>
+            <a:spLocks noGrp="1"/>
+          </p:cNvSpPr>
+          <p:nvPr>
+            <p:ph type="title"/>
+          </p:nvPr>
+        </p:nvSpPr>
+        <p:spPr/>
+        <p:txBody>
+          <a:bodyPr/>
+          <a:lstStyle/>
+          <a:p>
+            <a:r>
+              <a:rPr lang="en-US" altLang="zh-CN"/>
+              <a:t>postgresql</a:t>
+            </a:r>
+            <a:r>
+              <a:rPr lang="zh-CN" altLang="en-US"/>
+              <a:t>安装</a:t>
+            </a:r>
+          </a:p>
+        </p:txBody>
+      </p:sp>
+      <p:sp>
+        <p:nvSpPr>
+          <p:cNvPr id="3" name="内容占位符 2">
+            <a:extLst>
+              <a:ext uri="{FF2B5EF4-FFF2-40B4-BE49-F238E27FC236}">
+                <a16:creationId xmlns:a16="http://schemas.microsoft.com/office/drawing/2014/main" id="{4144CDF5-07E8-483E-B4D7-641611911CD6}"/>
+              </a:ext>
+            </a:extLst>
+          </p:cNvPr>
+          <p:cNvSpPr>
+            <a:spLocks noGrp="1"/>
+          </p:cNvSpPr>
+          <p:nvPr>
+            <p:ph idx="1"/>
+          </p:nvPr>
+        </p:nvSpPr>
+        <p:spPr/>
+        <p:txBody>
+          <a:bodyPr/>
+          <a:lstStyle/>
+          <a:p>
+            <a:endParaRPr lang="zh-CN" altLang="en-US"/>
+          </a:p>
+        </p:txBody>
+      </p:sp>
+    </p:spTree>
+    <p:extLst>
+      <p:ext uri="{BB962C8B-B14F-4D97-AF65-F5344CB8AC3E}">
+        <p14:creationId xmlns:p14="http://schemas.microsoft.com/office/powerpoint/2010/main" val="2494796886"/>
+      </p:ext>
+    </p:extLst>
+  </p:cSld>
+  <p:clrMapOvr>
+    <a:masterClrMapping/>
+  </p:clrMapOvr>
+</p:sld>
+</file>
+
+<file path=ppt/slides/slide17.xml><?xml version="1.0" encoding="utf-8"?>
+<p:sld xmlns:a="http://schemas.openxmlformats.org/drawingml/2006/main" xmlns:r="http://schemas.openxmlformats.org/officeDocument/2006/relationships" xmlns:p="http://schemas.openxmlformats.org/presentationml/2006/main">
+  <p:cSld>
+    <p:spTree>
+      <p:nvGrpSpPr>
+        <p:cNvPr id="1" name=""/>
+        <p:cNvGrpSpPr/>
+        <p:nvPr/>
+      </p:nvGrpSpPr>
+      <p:grpSpPr>
+        <a:xfrm>
+          <a:off x="0" y="0"/>
+          <a:ext cx="0" cy="0"/>
+          <a:chOff x="0" y="0"/>
+          <a:chExt cx="0" cy="0"/>
+        </a:xfrm>
+      </p:grpSpPr>
+      <p:sp>
+        <p:nvSpPr>
+          <p:cNvPr id="2" name="标题 1">
+            <a:extLst>
+              <a:ext uri="{FF2B5EF4-FFF2-40B4-BE49-F238E27FC236}">
                 <a16:creationId xmlns:a16="http://schemas.microsoft.com/office/drawing/2014/main" id="{41447A1D-D7D4-45F2-A26C-78B9550AA652}"/>
               </a:ext>
             </a:extLst>
@@ -4122,7 +4291,7 @@
 </p:sld>
 </file>
 
-<file path=ppt/slides/slide16.xml><?xml version="1.0" encoding="utf-8"?>
+<file path=ppt/slides/slide18.xml><?xml version="1.0" encoding="utf-8"?>
 <p:sld xmlns:a="http://schemas.openxmlformats.org/drawingml/2006/main" xmlns:r="http://schemas.openxmlformats.org/officeDocument/2006/relationships" xmlns:p="http://schemas.openxmlformats.org/presentationml/2006/main">
   <p:cSld>
     <p:spTree>
@@ -4735,7 +4904,7 @@
           <p:cNvPr id="2" name="标题 1">
             <a:extLst>
               <a:ext uri="{FF2B5EF4-FFF2-40B4-BE49-F238E27FC236}">
-                <a16:creationId xmlns:a16="http://schemas.microsoft.com/office/drawing/2014/main" id="{A120AA4C-488A-4AAD-94EF-B1988083690E}"/>
+                <a16:creationId xmlns:a16="http://schemas.microsoft.com/office/drawing/2014/main" id="{8F242BB4-59F2-407A-97C3-DFF74F44D923}"/>
               </a:ext>
             </a:extLst>
           </p:cNvPr>
@@ -4752,9 +4921,10 @@
           <a:lstStyle/>
           <a:p>
             <a:r>
-              <a:rPr lang="zh-CN" altLang="en-US"/>
-              <a:t>会话保持方案的对比</a:t>
-            </a:r>
+              <a:rPr lang="en-US" altLang="zh-CN"/>
+              <a:t>session</a:t>
+            </a:r>
+            <a:endParaRPr lang="zh-CN" altLang="en-US"/>
           </a:p>
         </p:txBody>
       </p:sp>
@@ -4763,7 +4933,7 @@
           <p:cNvPr id="3" name="内容占位符 2">
             <a:extLst>
               <a:ext uri="{FF2B5EF4-FFF2-40B4-BE49-F238E27FC236}">
-                <a16:creationId xmlns:a16="http://schemas.microsoft.com/office/drawing/2014/main" id="{97085026-6C03-498C-998E-FB0B7B216CCD}"/>
+                <a16:creationId xmlns:a16="http://schemas.microsoft.com/office/drawing/2014/main" id="{816D6681-7B46-4A6B-8D59-8B934DDD1D17}"/>
               </a:ext>
             </a:extLst>
           </p:cNvPr>
@@ -4776,12 +4946,58 @@
         </p:nvSpPr>
         <p:spPr/>
         <p:txBody>
-          <a:bodyPr/>
-          <a:lstStyle/>
-          <a:p>
-            <a:r>
-              <a:rPr lang="zh-CN" altLang="en-US"/>
-              <a:t>首先要说明的是，没有绝对安全的存储方案。</a:t>
+          <a:bodyPr>
+            <a:normAutofit/>
+          </a:bodyPr>
+          <a:lstStyle/>
+          <a:p>
+            <a:r>
+              <a:rPr lang="en-US" altLang="zh-CN"/>
+              <a:t>session</a:t>
+            </a:r>
+            <a:r>
+              <a:rPr lang="zh-CN" altLang="en-US"/>
+              <a:t>本意就是表示会话，但是在互联网领域，可能会有所特指，因为很多工具在实现</a:t>
+            </a:r>
+            <a:r>
+              <a:rPr lang="en-US" altLang="zh-CN"/>
+              <a:t>session</a:t>
+            </a:r>
+            <a:r>
+              <a:rPr lang="zh-CN" altLang="en-US"/>
+              <a:t>使用了文件型的存储。在</a:t>
+            </a:r>
+            <a:r>
+              <a:rPr lang="en-US" altLang="zh-CN"/>
+              <a:t>PHP/Java</a:t>
+            </a:r>
+            <a:r>
+              <a:rPr lang="zh-CN" altLang="en-US"/>
+              <a:t>进行</a:t>
+            </a:r>
+            <a:r>
+              <a:rPr lang="en-US" altLang="zh-CN"/>
+              <a:t>Web</a:t>
+            </a:r>
+            <a:r>
+              <a:rPr lang="zh-CN" altLang="en-US"/>
+              <a:t>开发的领域，提到</a:t>
+            </a:r>
+            <a:r>
+              <a:rPr lang="en-US" altLang="zh-CN"/>
+              <a:t>session</a:t>
+            </a:r>
+            <a:r>
+              <a:rPr lang="zh-CN" altLang="en-US"/>
+              <a:t>通常就是特定的文件存储。而在</a:t>
+            </a:r>
+            <a:r>
+              <a:rPr lang="en-US" altLang="zh-CN"/>
+              <a:t>Node.js</a:t>
+            </a:r>
+            <a:r>
+              <a:rPr lang="zh-CN" altLang="en-US"/>
+              <a:t>相关扩展中，实现上也都会支持这种方案。</a:t>
             </a:r>
             <a:endParaRPr lang="en-US" altLang="zh-CN"/>
           </a:p>
@@ -4790,8 +5006,12 @@
           </a:p>
           <a:p>
             <a:r>
-              <a:rPr lang="zh-CN" altLang="en-US"/>
-              <a:t>早期的</a:t>
+              <a:rPr lang="en-US" altLang="zh-CN"/>
+              <a:t>session</a:t>
+            </a:r>
+            <a:r>
+              <a:rPr lang="zh-CN" altLang="en-US"/>
+              <a:t>和</a:t>
             </a:r>
             <a:r>
               <a:rPr lang="en-US" altLang="zh-CN"/>
@@ -4799,7 +5019,31 @@
             </a:r>
             <a:r>
               <a:rPr lang="zh-CN" altLang="en-US"/>
-              <a:t>使用是非常不安全的，现在</a:t>
+              <a:t>往往会成对出现，比如在</a:t>
+            </a:r>
+            <a:r>
+              <a:rPr lang="en-US" altLang="zh-CN"/>
+              <a:t>PHP</a:t>
+            </a:r>
+            <a:r>
+              <a:rPr lang="zh-CN" altLang="en-US"/>
+              <a:t>中，默认就有</a:t>
+            </a:r>
+            <a:r>
+              <a:rPr lang="en-US" altLang="zh-CN"/>
+              <a:t>session</a:t>
+            </a:r>
+            <a:r>
+              <a:rPr lang="zh-CN" altLang="en-US"/>
+              <a:t>机制。其原理就是利用文件来存储</a:t>
+            </a:r>
+            <a:r>
+              <a:rPr lang="en-US" altLang="zh-CN"/>
+              <a:t>SESSION</a:t>
+            </a:r>
+            <a:r>
+              <a:rPr lang="zh-CN" altLang="en-US"/>
+              <a:t>数据，</a:t>
             </a:r>
             <a:r>
               <a:rPr lang="en-US" altLang="zh-CN"/>
@@ -4807,23 +5051,23 @@
             </a:r>
             <a:r>
               <a:rPr lang="zh-CN" altLang="en-US"/>
-              <a:t>仍然被很多系统使用，虽然抛弃</a:t>
-            </a:r>
-            <a:r>
-              <a:rPr lang="en-US" altLang="zh-CN"/>
-              <a:t>cookie</a:t>
-            </a:r>
-            <a:r>
-              <a:rPr lang="zh-CN" altLang="en-US"/>
-              <a:t>越来越成为主流，但是积重难返，很多互联网公司都还有大量基于</a:t>
-            </a:r>
-            <a:r>
-              <a:rPr lang="en-US" altLang="zh-CN"/>
-              <a:t>cookie</a:t>
-            </a:r>
-            <a:r>
-              <a:rPr lang="zh-CN" altLang="en-US"/>
-              <a:t>的应用。</a:t>
+              <a:t>中保存的</a:t>
+            </a:r>
+            <a:r>
+              <a:rPr lang="en-US" altLang="zh-CN"/>
+              <a:t>SESSIONID</a:t>
+            </a:r>
+            <a:r>
+              <a:rPr lang="zh-CN" altLang="en-US"/>
+              <a:t>的值其实是服务端</a:t>
+            </a:r>
+            <a:r>
+              <a:rPr lang="en-US" altLang="zh-CN"/>
+              <a:t>SESSION</a:t>
+            </a:r>
+            <a:r>
+              <a:rPr lang="zh-CN" altLang="en-US"/>
+              <a:t>文件的名字。</a:t>
             </a:r>
             <a:endParaRPr lang="en-US" altLang="zh-CN"/>
           </a:p>
@@ -4833,49 +5077,15 @@
           <a:p>
             <a:r>
               <a:rPr lang="zh-CN" altLang="en-US"/>
-              <a:t>尤其是很多公司还要基于</a:t>
-            </a:r>
-            <a:r>
-              <a:rPr lang="en-US" altLang="zh-CN"/>
-              <a:t>cookie</a:t>
-            </a:r>
-            <a:r>
-              <a:rPr lang="zh-CN" altLang="en-US"/>
-              <a:t>跟踪用户，并根据分析结果进行广告的投放，或者是要基于</a:t>
-            </a:r>
-            <a:r>
-              <a:rPr lang="en-US" altLang="zh-CN"/>
-              <a:t>cookie</a:t>
-            </a:r>
-            <a:r>
-              <a:rPr lang="zh-CN" altLang="en-US"/>
-              <a:t>的跟踪进行广告结算。</a:t>
-            </a:r>
-            <a:endParaRPr lang="en-US" altLang="zh-CN"/>
-          </a:p>
-          <a:p>
-            <a:endParaRPr lang="en-US" altLang="zh-CN"/>
-          </a:p>
-          <a:p>
-            <a:r>
-              <a:rPr lang="zh-CN" altLang="en-US"/>
-              <a:t>但是在接口服务来说，使用</a:t>
-            </a:r>
-            <a:r>
-              <a:rPr lang="en-US" altLang="zh-CN"/>
-              <a:t>token</a:t>
-            </a:r>
-            <a:r>
-              <a:rPr lang="zh-CN" altLang="en-US"/>
-              <a:t>的方式，并且通过</a:t>
-            </a:r>
-            <a:r>
-              <a:rPr lang="en-US" altLang="zh-CN"/>
-              <a:t>url</a:t>
-            </a:r>
-            <a:r>
-              <a:rPr lang="zh-CN" altLang="en-US"/>
-              <a:t>的参数传递是最通用的选择。</a:t>
+              <a:t>需要知道的是，尽管</a:t>
+            </a:r>
+            <a:r>
+              <a:rPr lang="en-US" altLang="zh-CN"/>
+              <a:t>cookie-session</a:t>
+            </a:r>
+            <a:r>
+              <a:rPr lang="zh-CN" altLang="en-US"/>
+              <a:t>经常成对出现，但是二者没有必然联系。为了做会话验证，前端要存储一个凭证，而后端需要一个验证凭证的过程，于是二者结合了。</a:t>
             </a:r>
             <a:endParaRPr lang="en-US" altLang="zh-CN"/>
           </a:p>
@@ -4884,7 +5094,7 @@
     </p:spTree>
     <p:extLst>
       <p:ext uri="{BB962C8B-B14F-4D97-AF65-F5344CB8AC3E}">
-        <p14:creationId xmlns:p14="http://schemas.microsoft.com/office/powerpoint/2010/main" val="3930959555"/>
+        <p14:creationId xmlns:p14="http://schemas.microsoft.com/office/powerpoint/2010/main" val="3269189489"/>
       </p:ext>
     </p:extLst>
   </p:cSld>
@@ -4916,7 +5126,7 @@
           <p:cNvPr id="2" name="标题 1">
             <a:extLst>
               <a:ext uri="{FF2B5EF4-FFF2-40B4-BE49-F238E27FC236}">
-                <a16:creationId xmlns:a16="http://schemas.microsoft.com/office/drawing/2014/main" id="{C34CC201-C1BA-4A9E-A9C3-0BF301FF5A63}"/>
+                <a16:creationId xmlns:a16="http://schemas.microsoft.com/office/drawing/2014/main" id="{582E016F-EB80-4FA7-8F47-9678E548259F}"/>
               </a:ext>
             </a:extLst>
           </p:cNvPr>
@@ -4934,12 +5144,25 @@
           <a:p>
             <a:r>
               <a:rPr lang="en-US" altLang="zh-CN"/>
-              <a:t>token</a:t>
-            </a:r>
-            <a:r>
-              <a:rPr lang="zh-CN" altLang="en-US"/>
-              <a:t>和会话处理</a:t>
-            </a:r>
+              <a:t>Node.js</a:t>
+            </a:r>
+            <a:r>
+              <a:rPr lang="zh-CN" altLang="en-US"/>
+              <a:t>中的</a:t>
+            </a:r>
+            <a:r>
+              <a:rPr lang="en-US" altLang="zh-CN"/>
+              <a:t>cookie</a:t>
+            </a:r>
+            <a:r>
+              <a:rPr lang="zh-CN" altLang="en-US"/>
+              <a:t>和</a:t>
+            </a:r>
+            <a:r>
+              <a:rPr lang="en-US" altLang="zh-CN"/>
+              <a:t>session</a:t>
+            </a:r>
+            <a:endParaRPr lang="zh-CN" altLang="en-US"/>
           </a:p>
         </p:txBody>
       </p:sp>
@@ -4948,7 +5171,7 @@
           <p:cNvPr id="3" name="内容占位符 2">
             <a:extLst>
               <a:ext uri="{FF2B5EF4-FFF2-40B4-BE49-F238E27FC236}">
-                <a16:creationId xmlns:a16="http://schemas.microsoft.com/office/drawing/2014/main" id="{D796E38C-ED01-43A7-A0D2-2B60B4E653D5}"/>
+                <a16:creationId xmlns:a16="http://schemas.microsoft.com/office/drawing/2014/main" id="{0B6B3283-FAD1-4E8F-B4F5-C00AC29EE1B9}"/>
               </a:ext>
             </a:extLst>
           </p:cNvPr>
@@ -4964,14 +5187,134 @@
           <a:bodyPr/>
           <a:lstStyle/>
           <a:p>
-            <a:endParaRPr lang="zh-CN" altLang="en-US"/>
+            <a:r>
+              <a:rPr lang="zh-CN" altLang="en-US"/>
+              <a:t>使用</a:t>
+            </a:r>
+            <a:r>
+              <a:rPr lang="en-US" altLang="zh-CN"/>
+              <a:t>cookie</a:t>
+            </a:r>
+            <a:r>
+              <a:rPr lang="zh-CN" altLang="en-US"/>
+              <a:t>和文件型</a:t>
+            </a:r>
+            <a:r>
+              <a:rPr lang="en-US" altLang="zh-CN"/>
+              <a:t>session</a:t>
+            </a:r>
+            <a:r>
+              <a:rPr lang="zh-CN" altLang="en-US"/>
+              <a:t>对性能肯定是有影响的，对于基于会话验证的服务来说，所有的服务都要在此之后进行，在这之前是</a:t>
+            </a:r>
+            <a:r>
+              <a:rPr lang="en-US" altLang="zh-CN"/>
+              <a:t>cookie</a:t>
+            </a:r>
+            <a:r>
+              <a:rPr lang="zh-CN" altLang="en-US"/>
+              <a:t>的解析，然后是</a:t>
+            </a:r>
+            <a:r>
+              <a:rPr lang="en-US" altLang="zh-CN"/>
+              <a:t>session</a:t>
+            </a:r>
+            <a:r>
+              <a:rPr lang="zh-CN" altLang="en-US"/>
+              <a:t>数据的读取。</a:t>
+            </a:r>
+            <a:endParaRPr lang="en-US" altLang="zh-CN"/>
+          </a:p>
+          <a:p>
+            <a:endParaRPr lang="en-US" altLang="zh-CN"/>
+          </a:p>
+          <a:p>
+            <a:r>
+              <a:rPr lang="en-US" altLang="zh-CN"/>
+              <a:t>cookie</a:t>
+            </a:r>
+            <a:r>
+              <a:rPr lang="zh-CN" altLang="en-US"/>
+              <a:t>和</a:t>
+            </a:r>
+            <a:r>
+              <a:rPr lang="en-US" altLang="zh-CN"/>
+              <a:t>session</a:t>
+            </a:r>
+            <a:r>
+              <a:rPr lang="zh-CN" altLang="en-US"/>
+              <a:t>机制在</a:t>
+            </a:r>
+            <a:r>
+              <a:rPr lang="en-US" altLang="zh-CN"/>
+              <a:t>Node.js</a:t>
+            </a:r>
+            <a:r>
+              <a:rPr lang="zh-CN" altLang="en-US"/>
+              <a:t>中配合使用成本相对来说要高一点，因为运行环境默认没有提供，需要自己编写处理过程或者使用扩展。</a:t>
+            </a:r>
+            <a:endParaRPr lang="en-US" altLang="zh-CN"/>
+          </a:p>
+          <a:p>
+            <a:endParaRPr lang="en-US" altLang="zh-CN"/>
+          </a:p>
+          <a:p>
+            <a:r>
+              <a:rPr lang="zh-CN" altLang="en-US"/>
+              <a:t>这还算不上大问题，真正严重的问题是，一方面，</a:t>
+            </a:r>
+            <a:r>
+              <a:rPr lang="en-US" altLang="zh-CN"/>
+              <a:t>cookie</a:t>
+            </a:r>
+            <a:r>
+              <a:rPr lang="zh-CN" altLang="en-US"/>
+              <a:t>在很多情况下会被禁止，另一方面利用传统的</a:t>
+            </a:r>
+            <a:r>
+              <a:rPr lang="en-US" altLang="zh-CN"/>
+              <a:t>cookie</a:t>
+            </a:r>
+            <a:r>
+              <a:rPr lang="zh-CN" altLang="en-US"/>
+              <a:t>和</a:t>
+            </a:r>
+            <a:r>
+              <a:rPr lang="en-US" altLang="zh-CN"/>
+              <a:t>session</a:t>
+            </a:r>
+            <a:r>
+              <a:rPr lang="zh-CN" altLang="en-US"/>
+              <a:t>机制基本就限定在了单台服务器架构上，做分布式也是可以的，会很麻烦。</a:t>
+            </a:r>
+            <a:r>
+              <a:rPr lang="en-US" altLang="zh-CN" sz="1600"/>
+              <a:t>[</a:t>
+            </a:r>
+            <a:r>
+              <a:rPr lang="zh-CN" altLang="en-US" sz="1600"/>
+              <a:t>至于</a:t>
+            </a:r>
+            <a:r>
+              <a:rPr lang="en-US" altLang="zh-CN" sz="1600"/>
+              <a:t>cookie</a:t>
+            </a:r>
+            <a:r>
+              <a:rPr lang="zh-CN" altLang="en-US" sz="1600"/>
+              <a:t>的安全性问题，现在是有很多方案提高安全性的，已经不是早期那种情况。</a:t>
+            </a:r>
+            <a:r>
+              <a:rPr lang="en-US" altLang="zh-CN" sz="1600"/>
+              <a:t>]</a:t>
+            </a:r>
+            <a:endParaRPr lang="zh-CN" altLang="en-US" sz="1600"/>
           </a:p>
         </p:txBody>
       </p:sp>
     </p:spTree>
     <p:extLst>
       <p:ext uri="{BB962C8B-B14F-4D97-AF65-F5344CB8AC3E}">
-        <p14:creationId xmlns:p14="http://schemas.microsoft.com/office/powerpoint/2010/main" val="1240878975"/>
+        <p14:creationId xmlns:p14="http://schemas.microsoft.com/office/powerpoint/2010/main" val="1919124898"/>
       </p:ext>
     </p:extLst>
   </p:cSld>
@@ -5003,7 +5346,7 @@
           <p:cNvPr id="2" name="标题 1">
             <a:extLst>
               <a:ext uri="{FF2B5EF4-FFF2-40B4-BE49-F238E27FC236}">
-                <a16:creationId xmlns:a16="http://schemas.microsoft.com/office/drawing/2014/main" id="{7912E2F4-D52F-4D7A-B011-ED471BF8B1FB}"/>
+                <a16:creationId xmlns:a16="http://schemas.microsoft.com/office/drawing/2014/main" id="{A120AA4C-488A-4AAD-94EF-B1988083690E}"/>
               </a:ext>
             </a:extLst>
           </p:cNvPr>
@@ -5021,7 +5364,7 @@
           <a:p>
             <a:r>
               <a:rPr lang="zh-CN" altLang="en-US"/>
-              <a:t>模拟用户登录</a:t>
+              <a:t>会话保持方案的对比</a:t>
             </a:r>
           </a:p>
         </p:txBody>
@@ -5031,7 +5374,7 @@
           <p:cNvPr id="3" name="内容占位符 2">
             <a:extLst>
               <a:ext uri="{FF2B5EF4-FFF2-40B4-BE49-F238E27FC236}">
-                <a16:creationId xmlns:a16="http://schemas.microsoft.com/office/drawing/2014/main" id="{5DC5A948-CA7C-4E0C-BCF0-79E7DF77B95A}"/>
+                <a16:creationId xmlns:a16="http://schemas.microsoft.com/office/drawing/2014/main" id="{97085026-6C03-498C-998E-FB0B7B216CCD}"/>
               </a:ext>
             </a:extLst>
           </p:cNvPr>
@@ -5044,17 +5387,131 @@
         </p:nvSpPr>
         <p:spPr/>
         <p:txBody>
-          <a:bodyPr/>
-          <a:lstStyle/>
-          <a:p>
-            <a:endParaRPr lang="zh-CN" altLang="en-US"/>
+          <a:bodyPr>
+            <a:normAutofit/>
+          </a:bodyPr>
+          <a:lstStyle/>
+          <a:p>
+            <a:r>
+              <a:rPr lang="zh-CN" altLang="en-US"/>
+              <a:t>从目前的发展来看，</a:t>
+            </a:r>
+            <a:r>
+              <a:rPr lang="en-US" altLang="zh-CN"/>
+              <a:t>cookie</a:t>
+            </a:r>
+            <a:r>
+              <a:rPr lang="zh-CN" altLang="en-US"/>
+              <a:t>的机制以及存储限制导致它越来越不受欢迎，不过现在</a:t>
+            </a:r>
+            <a:r>
+              <a:rPr lang="en-US" altLang="zh-CN"/>
+              <a:t>cookie</a:t>
+            </a:r>
+            <a:r>
+              <a:rPr lang="zh-CN" altLang="en-US"/>
+              <a:t>仍然被很多系统使用，虽然抛弃</a:t>
+            </a:r>
+            <a:r>
+              <a:rPr lang="en-US" altLang="zh-CN"/>
+              <a:t>cookie</a:t>
+            </a:r>
+            <a:r>
+              <a:rPr lang="zh-CN" altLang="en-US"/>
+              <a:t>越来越成为主流，但是积重难返，很多互联网公司都还有大量基于</a:t>
+            </a:r>
+            <a:r>
+              <a:rPr lang="en-US" altLang="zh-CN"/>
+              <a:t>cookie</a:t>
+            </a:r>
+            <a:r>
+              <a:rPr lang="zh-CN" altLang="en-US"/>
+              <a:t>的应用。</a:t>
+            </a:r>
+            <a:endParaRPr lang="en-US" altLang="zh-CN"/>
+          </a:p>
+          <a:p>
+            <a:endParaRPr lang="en-US" altLang="zh-CN"/>
+          </a:p>
+          <a:p>
+            <a:r>
+              <a:rPr lang="zh-CN" altLang="en-US"/>
+              <a:t>尤其是很多公司还要基于</a:t>
+            </a:r>
+            <a:r>
+              <a:rPr lang="en-US" altLang="zh-CN"/>
+              <a:t>cookie</a:t>
+            </a:r>
+            <a:r>
+              <a:rPr lang="zh-CN" altLang="en-US"/>
+              <a:t>跟踪用户，并根据分析结果进行广告的投放，或者是要基于</a:t>
+            </a:r>
+            <a:r>
+              <a:rPr lang="en-US" altLang="zh-CN"/>
+              <a:t>cookie</a:t>
+            </a:r>
+            <a:r>
+              <a:rPr lang="zh-CN" altLang="en-US"/>
+              <a:t>的跟踪进行广告结算。</a:t>
+            </a:r>
+            <a:endParaRPr lang="en-US" altLang="zh-CN"/>
+          </a:p>
+          <a:p>
+            <a:endParaRPr lang="en-US" altLang="zh-CN"/>
+          </a:p>
+          <a:p>
+            <a:r>
+              <a:rPr lang="zh-CN" altLang="en-US"/>
+              <a:t>但是在接口服务来说，使用</a:t>
+            </a:r>
+            <a:r>
+              <a:rPr lang="en-US" altLang="zh-CN"/>
+              <a:t>token</a:t>
+            </a:r>
+            <a:r>
+              <a:rPr lang="zh-CN" altLang="en-US"/>
+              <a:t>的方式，并且通过</a:t>
+            </a:r>
+            <a:r>
+              <a:rPr lang="en-US" altLang="zh-CN"/>
+              <a:t>url</a:t>
+            </a:r>
+            <a:r>
+              <a:rPr lang="zh-CN" altLang="en-US"/>
+              <a:t>的参数传递是最通用的选择。在前后端分离的应用上，使用</a:t>
+            </a:r>
+            <a:r>
+              <a:rPr lang="en-US" altLang="zh-CN"/>
+              <a:t>url</a:t>
+            </a:r>
+            <a:r>
+              <a:rPr lang="zh-CN" altLang="en-US"/>
+              <a:t>传递</a:t>
+            </a:r>
+            <a:r>
+              <a:rPr lang="en-US" altLang="zh-CN"/>
+              <a:t>token</a:t>
+            </a:r>
+            <a:r>
+              <a:rPr lang="zh-CN" altLang="en-US"/>
+              <a:t>，前端利用</a:t>
+            </a:r>
+            <a:r>
+              <a:rPr lang="en-US" altLang="zh-CN"/>
+              <a:t>storage</a:t>
+            </a:r>
+            <a:r>
+              <a:rPr lang="zh-CN" altLang="en-US"/>
+              <a:t>存储会话是比较常见的选择。</a:t>
+            </a:r>
+            <a:endParaRPr lang="en-US" altLang="zh-CN"/>
           </a:p>
         </p:txBody>
       </p:sp>
     </p:spTree>
     <p:extLst>
       <p:ext uri="{BB962C8B-B14F-4D97-AF65-F5344CB8AC3E}">
-        <p14:creationId xmlns:p14="http://schemas.microsoft.com/office/powerpoint/2010/main" val="2856751004"/>
+        <p14:creationId xmlns:p14="http://schemas.microsoft.com/office/powerpoint/2010/main" val="3930959555"/>
       </p:ext>
     </p:extLst>
   </p:cSld>
@@ -5086,7 +5543,7 @@
           <p:cNvPr id="2" name="标题 1">
             <a:extLst>
               <a:ext uri="{FF2B5EF4-FFF2-40B4-BE49-F238E27FC236}">
-                <a16:creationId xmlns:a16="http://schemas.microsoft.com/office/drawing/2014/main" id="{14E9355E-652F-436C-B3B0-4D81DA18977B}"/>
+                <a16:creationId xmlns:a16="http://schemas.microsoft.com/office/drawing/2014/main" id="{C34CC201-C1BA-4A9E-A9C3-0BF301FF5A63}"/>
               </a:ext>
             </a:extLst>
           </p:cNvPr>
@@ -5103,19 +5560,22 @@
           <a:lstStyle/>
           <a:p>
             <a:r>
-              <a:rPr lang="zh-CN" altLang="en-US"/>
-              <a:t>跨域问题</a:t>
-            </a:r>
-            <a:endParaRPr lang="zh-CN" altLang="en-US" dirty="0"/>
-          </a:p>
-        </p:txBody>
-      </p:sp>
-      <p:sp>
-        <p:nvSpPr>
-          <p:cNvPr id="10" name="内容占位符 9">
-            <a:extLst>
-              <a:ext uri="{FF2B5EF4-FFF2-40B4-BE49-F238E27FC236}">
-                <a16:creationId xmlns:a16="http://schemas.microsoft.com/office/drawing/2014/main" id="{6491841B-3357-4BCF-8DA0-0EAD0E04D1BE}"/>
+              <a:rPr lang="en-US" altLang="zh-CN"/>
+              <a:t>token</a:t>
+            </a:r>
+            <a:r>
+              <a:rPr lang="zh-CN" altLang="en-US"/>
+              <a:t>和会话处理</a:t>
+            </a:r>
+          </a:p>
+        </p:txBody>
+      </p:sp>
+      <p:sp>
+        <p:nvSpPr>
+          <p:cNvPr id="3" name="内容占位符 2">
+            <a:extLst>
+              <a:ext uri="{FF2B5EF4-FFF2-40B4-BE49-F238E27FC236}">
+                <a16:creationId xmlns:a16="http://schemas.microsoft.com/office/drawing/2014/main" id="{D796E38C-ED01-43A7-A0D2-2B60B4E653D5}"/>
               </a:ext>
             </a:extLst>
           </p:cNvPr>
@@ -5138,7 +5598,7 @@
     </p:spTree>
     <p:extLst>
       <p:ext uri="{BB962C8B-B14F-4D97-AF65-F5344CB8AC3E}">
-        <p14:creationId xmlns:p14="http://schemas.microsoft.com/office/powerpoint/2010/main" val="3722286286"/>
+        <p14:creationId xmlns:p14="http://schemas.microsoft.com/office/powerpoint/2010/main" val="1240878975"/>
       </p:ext>
     </p:extLst>
   </p:cSld>
@@ -5170,7 +5630,7 @@
           <p:cNvPr id="2" name="标题 1">
             <a:extLst>
               <a:ext uri="{FF2B5EF4-FFF2-40B4-BE49-F238E27FC236}">
-                <a16:creationId xmlns:a16="http://schemas.microsoft.com/office/drawing/2014/main" id="{0371DB66-8CF6-4B09-B21E-32ACBB76D009}"/>
+                <a16:creationId xmlns:a16="http://schemas.microsoft.com/office/drawing/2014/main" id="{7912E2F4-D52F-4D7A-B011-ED471BF8B1FB}"/>
               </a:ext>
             </a:extLst>
           </p:cNvPr>
@@ -5188,7 +5648,7 @@
           <a:p>
             <a:r>
               <a:rPr lang="zh-CN" altLang="en-US"/>
-              <a:t>如何解决跨域</a:t>
+              <a:t>模拟用户登录</a:t>
             </a:r>
           </a:p>
         </p:txBody>
@@ -5198,7 +5658,7 @@
           <p:cNvPr id="3" name="内容占位符 2">
             <a:extLst>
               <a:ext uri="{FF2B5EF4-FFF2-40B4-BE49-F238E27FC236}">
-                <a16:creationId xmlns:a16="http://schemas.microsoft.com/office/drawing/2014/main" id="{4657DACF-A999-4081-AAC3-B29D00F52CEE}"/>
+                <a16:creationId xmlns:a16="http://schemas.microsoft.com/office/drawing/2014/main" id="{5DC5A948-CA7C-4E0C-BCF0-79E7DF77B95A}"/>
               </a:ext>
             </a:extLst>
           </p:cNvPr>
@@ -5221,7 +5681,7 @@
     </p:spTree>
     <p:extLst>
       <p:ext uri="{BB962C8B-B14F-4D97-AF65-F5344CB8AC3E}">
-        <p14:creationId xmlns:p14="http://schemas.microsoft.com/office/powerpoint/2010/main" val="3767247021"/>
+        <p14:creationId xmlns:p14="http://schemas.microsoft.com/office/powerpoint/2010/main" val="2856751004"/>
       </p:ext>
     </p:extLst>
   </p:cSld>

--- a/materials/ch09/ch09-HTTP协议和复杂通信.pptx
+++ b/materials/ch09/ch09-HTTP协议和复杂通信.pptx
@@ -555,7 +555,7 @@
           <a:p>
             <a:fld id="{10955001-8E90-43AD-87AF-166875BDDBE4}" type="datetimeFigureOut">
               <a:rPr lang="zh-CN" altLang="en-US" smtClean="0"/>
-              <a:t>2020/9/2</a:t>
+              <a:t>2020/10/6</a:t>
             </a:fld>
             <a:endParaRPr lang="zh-CN" altLang="en-US"/>
           </a:p>
@@ -787,7 +787,7 @@
           <a:p>
             <a:fld id="{10955001-8E90-43AD-87AF-166875BDDBE4}" type="datetimeFigureOut">
               <a:rPr lang="zh-CN" altLang="en-US" smtClean="0"/>
-              <a:t>2020/9/2</a:t>
+              <a:t>2020/10/6</a:t>
             </a:fld>
             <a:endParaRPr lang="zh-CN" altLang="en-US"/>
           </a:p>
@@ -1285,7 +1285,7 @@
           <a:p>
             <a:fld id="{10955001-8E90-43AD-87AF-166875BDDBE4}" type="datetimeFigureOut">
               <a:rPr lang="zh-CN" altLang="en-US" smtClean="0"/>
-              <a:t>2020/9/2</a:t>
+              <a:t>2020/10/6</a:t>
             </a:fld>
             <a:endParaRPr lang="zh-CN" altLang="en-US"/>
           </a:p>
@@ -1714,7 +1714,7 @@
           <a:p>
             <a:fld id="{10955001-8E90-43AD-87AF-166875BDDBE4}" type="datetimeFigureOut">
               <a:rPr lang="zh-CN" altLang="en-US" smtClean="0"/>
-              <a:t>2020/9/2</a:t>
+              <a:t>2020/10/6</a:t>
             </a:fld>
             <a:endParaRPr lang="zh-CN" altLang="en-US"/>
           </a:p>
@@ -2231,7 +2231,7 @@
           <a:p>
             <a:fld id="{10955001-8E90-43AD-87AF-166875BDDBE4}" type="datetimeFigureOut">
               <a:rPr lang="zh-CN" altLang="en-US" smtClean="0"/>
-              <a:t>2020/9/2</a:t>
+              <a:t>2020/10/6</a:t>
             </a:fld>
             <a:endParaRPr lang="zh-CN" altLang="en-US"/>
           </a:p>
@@ -2691,7 +2691,7 @@
           <a:p>
             <a:fld id="{10955001-8E90-43AD-87AF-166875BDDBE4}" type="datetimeFigureOut">
               <a:rPr lang="zh-CN" altLang="en-US" smtClean="0"/>
-              <a:t>2020/9/2</a:t>
+              <a:t>2020/10/6</a:t>
             </a:fld>
             <a:endParaRPr lang="zh-CN" altLang="en-US"/>
           </a:p>
@@ -3003,7 +3003,7 @@
           <a:p>
             <a:fld id="{10955001-8E90-43AD-87AF-166875BDDBE4}" type="datetimeFigureOut">
               <a:rPr lang="zh-CN" altLang="en-US" smtClean="0"/>
-              <a:t>2020/9/2</a:t>
+              <a:t>2020/10/6</a:t>
             </a:fld>
             <a:endParaRPr lang="zh-CN" altLang="en-US"/>
           </a:p>
@@ -3688,7 +3688,39 @@
           <a:bodyPr/>
           <a:lstStyle/>
           <a:p>
-            <a:endParaRPr lang="zh-CN" altLang="en-US"/>
+            <a:r>
+              <a:rPr lang="zh-CN" altLang="en-US"/>
+              <a:t>如果最后开发的应用把前端和后台</a:t>
+            </a:r>
+            <a:r>
+              <a:rPr lang="en-US" altLang="zh-CN"/>
+              <a:t>API</a:t>
+            </a:r>
+            <a:r>
+              <a:rPr lang="zh-CN" altLang="en-US"/>
+              <a:t>放在一起发布，所有的请求都在一个域下，请求过程不会有问题。</a:t>
+            </a:r>
+            <a:endParaRPr lang="en-US" altLang="zh-CN"/>
+          </a:p>
+          <a:p>
+            <a:endParaRPr lang="en-US" altLang="zh-CN"/>
+          </a:p>
+          <a:p>
+            <a:r>
+              <a:rPr lang="zh-CN" altLang="en-US"/>
+              <a:t>一旦前后端彻底分离，前端和后端的服务都不在一起，域名一般也都是不同的。这时候会遇到跨域问题。</a:t>
+            </a:r>
+            <a:endParaRPr lang="en-US" altLang="zh-CN"/>
+          </a:p>
+          <a:p>
+            <a:endParaRPr lang="en-US" altLang="zh-CN"/>
+          </a:p>
+          <a:p>
+            <a:r>
+              <a:rPr lang="zh-CN" altLang="en-US"/>
+              <a:t>只有同一个协议、域名、端口才是同一个域。有一个元素不满足都是跨域。</a:t>
+            </a:r>
+            <a:endParaRPr lang="en-US" altLang="zh-CN"/>
           </a:p>
         </p:txBody>
       </p:sp>
@@ -5591,7 +5623,87 @@
           <a:bodyPr/>
           <a:lstStyle/>
           <a:p>
-            <a:endParaRPr lang="zh-CN" altLang="en-US"/>
+            <a:r>
+              <a:rPr lang="zh-CN" altLang="en-US"/>
+              <a:t>使用</a:t>
+            </a:r>
+            <a:r>
+              <a:rPr lang="en-US" altLang="zh-CN"/>
+              <a:t>token</a:t>
+            </a:r>
+            <a:r>
+              <a:rPr lang="zh-CN" altLang="en-US"/>
+              <a:t>进行会话保持和验证是很普遍的手段。</a:t>
+            </a:r>
+            <a:endParaRPr lang="en-US" altLang="zh-CN"/>
+          </a:p>
+          <a:p>
+            <a:r>
+              <a:rPr lang="zh-CN" altLang="en-US"/>
+              <a:t>前端应用登录后，后台</a:t>
+            </a:r>
+            <a:r>
+              <a:rPr lang="en-US" altLang="zh-CN"/>
+              <a:t>API</a:t>
+            </a:r>
+            <a:r>
+              <a:rPr lang="zh-CN" altLang="en-US"/>
+              <a:t>返回一个</a:t>
+            </a:r>
+            <a:r>
+              <a:rPr lang="en-US" altLang="zh-CN"/>
+              <a:t>token</a:t>
+            </a:r>
+            <a:r>
+              <a:rPr lang="zh-CN" altLang="en-US"/>
+              <a:t>表示登录成功。</a:t>
+            </a:r>
+            <a:endParaRPr lang="en-US" altLang="zh-CN"/>
+          </a:p>
+          <a:p>
+            <a:r>
+              <a:rPr lang="zh-CN" altLang="en-US"/>
+              <a:t>前端把</a:t>
+            </a:r>
+            <a:r>
+              <a:rPr lang="en-US" altLang="zh-CN"/>
+              <a:t>token</a:t>
+            </a:r>
+            <a:r>
+              <a:rPr lang="zh-CN" altLang="en-US"/>
+              <a:t>保存在</a:t>
+            </a:r>
+            <a:r>
+              <a:rPr lang="en-US" altLang="zh-CN"/>
+              <a:t>storage</a:t>
+            </a:r>
+            <a:r>
+              <a:rPr lang="zh-CN" altLang="en-US"/>
+              <a:t>，有可能还会返回一些辅助的信息和用户基本信息。</a:t>
+            </a:r>
+            <a:endParaRPr lang="en-US" altLang="zh-CN"/>
+          </a:p>
+          <a:p>
+            <a:r>
+              <a:rPr lang="zh-CN" altLang="en-US"/>
+              <a:t>之后每次通信，前端应用在调用</a:t>
+            </a:r>
+            <a:r>
+              <a:rPr lang="en-US" altLang="zh-CN"/>
+              <a:t>API</a:t>
+            </a:r>
+            <a:r>
+              <a:rPr lang="zh-CN" altLang="en-US"/>
+              <a:t>时都带上</a:t>
+            </a:r>
+            <a:r>
+              <a:rPr lang="en-US" altLang="zh-CN"/>
+              <a:t>token</a:t>
+            </a:r>
+            <a:r>
+              <a:rPr lang="zh-CN" altLang="en-US"/>
+              <a:t>。</a:t>
+            </a:r>
           </a:p>
         </p:txBody>
       </p:sp>
@@ -5674,7 +5786,39 @@
           <a:bodyPr/>
           <a:lstStyle/>
           <a:p>
-            <a:endParaRPr lang="zh-CN" altLang="en-US"/>
+            <a:r>
+              <a:rPr lang="zh-CN" altLang="en-US"/>
+              <a:t>模拟用户登录的过程不涉及到数据库的使用。</a:t>
+            </a:r>
+            <a:endParaRPr lang="en-US" altLang="zh-CN"/>
+          </a:p>
+          <a:p>
+            <a:endParaRPr lang="en-US" altLang="zh-CN"/>
+          </a:p>
+          <a:p>
+            <a:r>
+              <a:rPr lang="zh-CN" altLang="en-US"/>
+              <a:t>后台暂时使用</a:t>
+            </a:r>
+            <a:r>
+              <a:rPr lang="en-US" altLang="zh-CN"/>
+              <a:t>json</a:t>
+            </a:r>
+            <a:r>
+              <a:rPr lang="zh-CN" altLang="en-US"/>
+              <a:t>文件保存一些生成的用户信息。</a:t>
+            </a:r>
+            <a:endParaRPr lang="en-US" altLang="zh-CN"/>
+          </a:p>
+          <a:p>
+            <a:endParaRPr lang="en-US" altLang="zh-CN"/>
+          </a:p>
+          <a:p>
+            <a:r>
+              <a:rPr lang="zh-CN" altLang="en-US"/>
+              <a:t>前端通过登录接口进行测试。</a:t>
+            </a:r>
+            <a:endParaRPr lang="en-US" altLang="zh-CN"/>
           </a:p>
         </p:txBody>
       </p:sp>

--- a/materials/ch09/ch09-HTTP协议和复杂通信.pptx
+++ b/materials/ch09/ch09-HTTP协议和复杂通信.pptx
@@ -16,13 +16,9 @@
     <p:sldId id="286" r:id="rId10"/>
     <p:sldId id="264" r:id="rId11"/>
     <p:sldId id="271" r:id="rId12"/>
-    <p:sldId id="279" r:id="rId13"/>
-    <p:sldId id="257" r:id="rId14"/>
-    <p:sldId id="280" r:id="rId15"/>
-    <p:sldId id="281" r:id="rId16"/>
-    <p:sldId id="282" r:id="rId17"/>
-    <p:sldId id="283" r:id="rId18"/>
-    <p:sldId id="284" r:id="rId19"/>
+    <p:sldId id="289" r:id="rId13"/>
+    <p:sldId id="279" r:id="rId14"/>
+    <p:sldId id="290" r:id="rId15"/>
   </p:sldIdLst>
   <p:sldSz cx="12192000" cy="6858000"/>
   <p:notesSz cx="6858000" cy="9144000"/>
@@ -555,7 +551,7 @@
           <a:p>
             <a:fld id="{10955001-8E90-43AD-87AF-166875BDDBE4}" type="datetimeFigureOut">
               <a:rPr lang="zh-CN" altLang="en-US" smtClean="0"/>
-              <a:t>2020/10/6</a:t>
+              <a:t>2020/10/21</a:t>
             </a:fld>
             <a:endParaRPr lang="zh-CN" altLang="en-US"/>
           </a:p>
@@ -787,7 +783,7 @@
           <a:p>
             <a:fld id="{10955001-8E90-43AD-87AF-166875BDDBE4}" type="datetimeFigureOut">
               <a:rPr lang="zh-CN" altLang="en-US" smtClean="0"/>
-              <a:t>2020/10/6</a:t>
+              <a:t>2020/10/21</a:t>
             </a:fld>
             <a:endParaRPr lang="zh-CN" altLang="en-US"/>
           </a:p>
@@ -969,7 +965,7 @@
               <a:spcBef>
                 <a:spcPts val="1200"/>
               </a:spcBef>
-              <a:defRPr sz="2000" baseline="0">
+              <a:defRPr sz="2200" baseline="0">
                 <a:latin typeface="Ubuntu Mono" panose="020B0509030602030204" pitchFamily="49" charset="0"/>
                 <a:ea typeface="思源黑体 CN Light" panose="020B0300000000000000" pitchFamily="34" charset="-122"/>
               </a:defRPr>
@@ -1285,7 +1281,7 @@
           <a:p>
             <a:fld id="{10955001-8E90-43AD-87AF-166875BDDBE4}" type="datetimeFigureOut">
               <a:rPr lang="zh-CN" altLang="en-US" smtClean="0"/>
-              <a:t>2020/10/6</a:t>
+              <a:t>2020/10/21</a:t>
             </a:fld>
             <a:endParaRPr lang="zh-CN" altLang="en-US"/>
           </a:p>
@@ -1714,7 +1710,7 @@
           <a:p>
             <a:fld id="{10955001-8E90-43AD-87AF-166875BDDBE4}" type="datetimeFigureOut">
               <a:rPr lang="zh-CN" altLang="en-US" smtClean="0"/>
-              <a:t>2020/10/6</a:t>
+              <a:t>2020/10/21</a:t>
             </a:fld>
             <a:endParaRPr lang="zh-CN" altLang="en-US"/>
           </a:p>
@@ -2231,7 +2227,7 @@
           <a:p>
             <a:fld id="{10955001-8E90-43AD-87AF-166875BDDBE4}" type="datetimeFigureOut">
               <a:rPr lang="zh-CN" altLang="en-US" smtClean="0"/>
-              <a:t>2020/10/6</a:t>
+              <a:t>2020/10/21</a:t>
             </a:fld>
             <a:endParaRPr lang="zh-CN" altLang="en-US"/>
           </a:p>
@@ -2691,7 +2687,7 @@
           <a:p>
             <a:fld id="{10955001-8E90-43AD-87AF-166875BDDBE4}" type="datetimeFigureOut">
               <a:rPr lang="zh-CN" altLang="en-US" smtClean="0"/>
-              <a:t>2020/10/6</a:t>
+              <a:t>2020/10/21</a:t>
             </a:fld>
             <a:endParaRPr lang="zh-CN" altLang="en-US"/>
           </a:p>
@@ -3003,7 +2999,7 @@
           <a:p>
             <a:fld id="{10955001-8E90-43AD-87AF-166875BDDBE4}" type="datetimeFigureOut">
               <a:rPr lang="zh-CN" altLang="en-US" smtClean="0"/>
-              <a:t>2020/10/6</a:t>
+              <a:t>2020/10/21</a:t>
             </a:fld>
             <a:endParaRPr lang="zh-CN" altLang="en-US"/>
           </a:p>
@@ -3708,7 +3704,7 @@
           <a:p>
             <a:r>
               <a:rPr lang="zh-CN" altLang="en-US"/>
-              <a:t>一旦前后端彻底分离，前端和后端的服务都不在一起，域名一般也都是不同的。这时候会遇到跨域问题。</a:t>
+              <a:t>一旦前后端彻底分离，前端和后端的服务都不在一起，域名一般也都是不同的。这时候会遇到跨域问题。同源策略要求协议、域名、端口必须一致。</a:t>
             </a:r>
             <a:endParaRPr lang="en-US" altLang="zh-CN"/>
           </a:p>
@@ -3803,7 +3799,84 @@
           <a:bodyPr/>
           <a:lstStyle/>
           <a:p>
-            <a:endParaRPr lang="zh-CN" altLang="en-US"/>
+            <a:r>
+              <a:rPr lang="en-US" altLang="zh-CN"/>
+              <a:t>Web</a:t>
+            </a:r>
+            <a:r>
+              <a:rPr lang="zh-CN" altLang="en-US"/>
+              <a:t>标准来解决跨域问题需要前端和后端配合。前端异步请求只需要通过参数告知浏览器允许。后端的处理会比较麻烦，需要在返回的请求中携带几个头信息。</a:t>
+            </a:r>
+            <a:endParaRPr lang="en-US" altLang="zh-CN"/>
+          </a:p>
+          <a:p>
+            <a:endParaRPr lang="en-US" altLang="zh-CN"/>
+          </a:p>
+          <a:p>
+            <a:r>
+              <a:rPr lang="zh-CN" altLang="en-US"/>
+              <a:t>跨域访问时，浏览器会在发起</a:t>
+            </a:r>
+            <a:r>
+              <a:rPr lang="en-US" altLang="zh-CN"/>
+              <a:t>POST</a:t>
+            </a:r>
+            <a:r>
+              <a:rPr lang="zh-CN" altLang="en-US"/>
+              <a:t>、</a:t>
+            </a:r>
+            <a:r>
+              <a:rPr lang="en-US" altLang="zh-CN"/>
+              <a:t>PUT</a:t>
+            </a:r>
+            <a:r>
+              <a:rPr lang="zh-CN" altLang="en-US"/>
+              <a:t>、</a:t>
+            </a:r>
+            <a:r>
+              <a:rPr lang="en-US" altLang="zh-CN"/>
+              <a:t>DELETE</a:t>
+            </a:r>
+            <a:r>
+              <a:rPr lang="zh-CN" altLang="en-US"/>
+              <a:t>请求时先进行</a:t>
+            </a:r>
+            <a:r>
+              <a:rPr lang="en-US" altLang="zh-CN"/>
+              <a:t>OPTIONS</a:t>
+            </a:r>
+            <a:r>
+              <a:rPr lang="zh-CN" altLang="en-US"/>
+              <a:t>请求，根据</a:t>
+            </a:r>
+            <a:r>
+              <a:rPr lang="en-US" altLang="zh-CN"/>
+              <a:t>OPTIONS</a:t>
+            </a:r>
+            <a:r>
+              <a:rPr lang="zh-CN" altLang="en-US"/>
+              <a:t>返回的头信息来决定是否发起真正的请求。</a:t>
+            </a:r>
+            <a:endParaRPr lang="en-US" altLang="zh-CN"/>
+          </a:p>
+          <a:p>
+            <a:endParaRPr lang="en-US" altLang="zh-CN"/>
+          </a:p>
+          <a:p>
+            <a:r>
+              <a:rPr lang="zh-CN" altLang="en-US"/>
+              <a:t>关于更多跨域访问，可以参考：</a:t>
+            </a:r>
+            <a:endParaRPr lang="en-US" altLang="zh-CN"/>
+          </a:p>
+          <a:p>
+            <a:pPr marL="457200" lvl="1" indent="0">
+              <a:buNone/>
+            </a:pPr>
+            <a:r>
+              <a:rPr lang="en-US" altLang="zh-CN"/>
+              <a:t>https://developer.mozilla.org/zh-CN/docs/Web/HTTP/Access_control_CORS</a:t>
+            </a:r>
           </a:p>
         </p:txBody>
       </p:sp>
@@ -3842,7 +3915,7 @@
           <p:cNvPr id="2" name="标题 1">
             <a:extLst>
               <a:ext uri="{FF2B5EF4-FFF2-40B4-BE49-F238E27FC236}">
-                <a16:creationId xmlns:a16="http://schemas.microsoft.com/office/drawing/2014/main" id="{AA674828-64B6-4C32-B35B-D025E6426C20}"/>
+                <a16:creationId xmlns:a16="http://schemas.microsoft.com/office/drawing/2014/main" id="{CA3FD5F0-0EF0-41F4-813F-B57E278BD918}"/>
               </a:ext>
             </a:extLst>
           </p:cNvPr>
@@ -3860,7 +3933,7 @@
           <a:p>
             <a:r>
               <a:rPr lang="zh-CN" altLang="en-US"/>
-              <a:t>中间件</a:t>
+              <a:t>程序中的跨域解决</a:t>
             </a:r>
           </a:p>
         </p:txBody>
@@ -3870,7 +3943,7 @@
           <p:cNvPr id="3" name="内容占位符 2">
             <a:extLst>
               <a:ext uri="{FF2B5EF4-FFF2-40B4-BE49-F238E27FC236}">
-                <a16:creationId xmlns:a16="http://schemas.microsoft.com/office/drawing/2014/main" id="{A652301B-06FD-4058-9A45-5A37D3BA95F4}"/>
+                <a16:creationId xmlns:a16="http://schemas.microsoft.com/office/drawing/2014/main" id="{96AB4612-549D-4FE1-BCCD-353B7D475024}"/>
               </a:ext>
             </a:extLst>
           </p:cNvPr>
@@ -3886,14 +3959,55 @@
           <a:bodyPr/>
           <a:lstStyle/>
           <a:p>
-            <a:endParaRPr lang="zh-CN" altLang="en-US"/>
+            <a:r>
+              <a:rPr lang="zh-CN" altLang="en-US"/>
+              <a:t>如果多个</a:t>
+            </a:r>
+            <a:r>
+              <a:rPr lang="en-US" altLang="zh-CN"/>
+              <a:t>API</a:t>
+            </a:r>
+            <a:r>
+              <a:rPr lang="zh-CN" altLang="en-US"/>
+              <a:t>、都需要返回跨域允许的消息头，这会非常麻烦。</a:t>
+            </a:r>
+            <a:endParaRPr lang="en-US" altLang="zh-CN"/>
+          </a:p>
+          <a:p>
+            <a:endParaRPr lang="en-US" altLang="zh-CN"/>
+          </a:p>
+          <a:p>
+            <a:r>
+              <a:rPr lang="zh-CN" altLang="en-US"/>
+              <a:t>对于编码来说，是重复的，维护非常不便。</a:t>
+            </a:r>
+            <a:endParaRPr lang="en-US" altLang="zh-CN"/>
+          </a:p>
+          <a:p>
+            <a:endParaRPr lang="en-US" altLang="zh-CN"/>
+          </a:p>
+          <a:p>
+            <a:r>
+              <a:rPr lang="zh-CN" altLang="en-US"/>
+              <a:t>好在，我们已经探索出了一种比较好的模式来解决各种依赖和层级问题。</a:t>
+            </a:r>
+            <a:endParaRPr lang="en-US" altLang="zh-CN"/>
+          </a:p>
+          <a:p>
+            <a:endParaRPr lang="en-US" altLang="zh-CN"/>
+          </a:p>
+          <a:p>
+            <a:r>
+              <a:rPr lang="zh-CN" altLang="en-US"/>
+              <a:t>那就是：洋葱模型。其中的组件，通常称为中间件。</a:t>
+            </a:r>
           </a:p>
         </p:txBody>
       </p:sp>
     </p:spTree>
     <p:extLst>
       <p:ext uri="{BB962C8B-B14F-4D97-AF65-F5344CB8AC3E}">
-        <p14:creationId xmlns:p14="http://schemas.microsoft.com/office/powerpoint/2010/main" val="3444132504"/>
+        <p14:creationId xmlns:p14="http://schemas.microsoft.com/office/powerpoint/2010/main" val="545535582"/>
       </p:ext>
     </p:extLst>
   </p:cSld>
@@ -3925,7 +4039,7 @@
           <p:cNvPr id="2" name="标题 1">
             <a:extLst>
               <a:ext uri="{FF2B5EF4-FFF2-40B4-BE49-F238E27FC236}">
-                <a16:creationId xmlns:a16="http://schemas.microsoft.com/office/drawing/2014/main" id="{14E9355E-652F-436C-B3B0-4D81DA18977B}"/>
+                <a16:creationId xmlns:a16="http://schemas.microsoft.com/office/drawing/2014/main" id="{AA674828-64B6-4C32-B35B-D025E6426C20}"/>
               </a:ext>
             </a:extLst>
           </p:cNvPr>
@@ -3943,41 +4057,298 @@
           <a:p>
             <a:r>
               <a:rPr lang="zh-CN" altLang="en-US"/>
-              <a:t>使用中间件对程序分层</a:t>
-            </a:r>
-            <a:endParaRPr lang="zh-CN" altLang="en-US" dirty="0"/>
-          </a:p>
-        </p:txBody>
-      </p:sp>
-      <p:sp>
-        <p:nvSpPr>
-          <p:cNvPr id="11" name="内容占位符 10">
-            <a:extLst>
-              <a:ext uri="{FF2B5EF4-FFF2-40B4-BE49-F238E27FC236}">
-                <a16:creationId xmlns:a16="http://schemas.microsoft.com/office/drawing/2014/main" id="{722BB35D-6C21-4F0B-A227-B152A483727A}"/>
-              </a:ext>
-            </a:extLst>
-          </p:cNvPr>
-          <p:cNvSpPr>
-            <a:spLocks noGrp="1"/>
-          </p:cNvSpPr>
+              <a:t>中间件</a:t>
+            </a:r>
+          </a:p>
+        </p:txBody>
+      </p:sp>
+      <p:pic>
+        <p:nvPicPr>
+          <p:cNvPr id="5" name="内容占位符 4">
+            <a:extLst>
+              <a:ext uri="{FF2B5EF4-FFF2-40B4-BE49-F238E27FC236}">
+                <a16:creationId xmlns:a16="http://schemas.microsoft.com/office/drawing/2014/main" id="{1F7A1AF4-B1C1-4971-98AB-182C16B76D9B}"/>
+              </a:ext>
+            </a:extLst>
+          </p:cNvPr>
+          <p:cNvPicPr>
+            <a:picLocks noGrp="1" noChangeAspect="1"/>
+          </p:cNvPicPr>
           <p:nvPr>
             <p:ph idx="1"/>
           </p:nvPr>
-        </p:nvSpPr>
-        <p:spPr/>
-        <p:txBody>
-          <a:bodyPr/>
+        </p:nvPicPr>
+        <p:blipFill>
+          <a:blip r:embed="rId2">
+            <a:extLst>
+              <a:ext uri="{28A0092B-C50C-407E-A947-70E740481C1C}">
+                <a14:useLocalDpi xmlns:a14="http://schemas.microsoft.com/office/drawing/2010/main" val="0"/>
+              </a:ext>
+            </a:extLst>
+          </a:blip>
+          <a:stretch>
+            <a:fillRect/>
+          </a:stretch>
+        </p:blipFill>
+        <p:spPr>
+          <a:xfrm>
+            <a:off x="6503794" y="4506270"/>
+            <a:ext cx="4693909" cy="1793782"/>
+          </a:xfrm>
+        </p:spPr>
+      </p:pic>
+      <p:sp>
+        <p:nvSpPr>
+          <p:cNvPr id="6" name="文本框 5">
+            <a:extLst>
+              <a:ext uri="{FF2B5EF4-FFF2-40B4-BE49-F238E27FC236}">
+                <a16:creationId xmlns:a16="http://schemas.microsoft.com/office/drawing/2014/main" id="{03542555-8AE6-4A71-97AE-C21E696DF858}"/>
+              </a:ext>
+            </a:extLst>
+          </p:cNvPr>
+          <p:cNvSpPr txBox="1"/>
+          <p:nvPr/>
+        </p:nvSpPr>
+        <p:spPr>
+          <a:xfrm>
+            <a:off x="838200" y="1458158"/>
+            <a:ext cx="8146002" cy="4176784"/>
+          </a:xfrm>
+          <a:prstGeom prst="rect">
+            <a:avLst/>
+          </a:prstGeom>
+          <a:noFill/>
+        </p:spPr>
+        <p:txBody>
+          <a:bodyPr wrap="square" rtlCol="0">
+            <a:spAutoFit/>
+          </a:bodyPr>
           <a:lstStyle/>
           <a:p>
-            <a:endParaRPr lang="zh-CN" altLang="en-US"/>
+            <a:pPr marL="342900" indent="-342900">
+              <a:lnSpc>
+                <a:spcPts val="2600"/>
+              </a:lnSpc>
+              <a:spcBef>
+                <a:spcPts val="600"/>
+              </a:spcBef>
+              <a:spcAft>
+                <a:spcPts val="600"/>
+              </a:spcAft>
+              <a:buFont typeface="Arial" panose="020B0604020202020204" pitchFamily="34" charset="0"/>
+              <a:buChar char="•"/>
+            </a:pPr>
+            <a:r>
+              <a:rPr lang="zh-CN" altLang="en-US" sz="2000">
+                <a:latin typeface="Noto Mono" panose="020B0609030804020204" pitchFamily="49" charset="0"/>
+                <a:ea typeface="思源黑体 CN Light" panose="020B0300000000000000" pitchFamily="34" charset="-122"/>
+              </a:rPr>
+              <a:t>在</a:t>
+            </a:r>
+            <a:r>
+              <a:rPr lang="en-US" altLang="zh-CN" sz="2000">
+                <a:latin typeface="Noto Mono" panose="020B0609030804020204" pitchFamily="49" charset="0"/>
+                <a:ea typeface="思源黑体 CN Light" panose="020B0300000000000000" pitchFamily="34" charset="-122"/>
+              </a:rPr>
+              <a:t>Web</a:t>
+            </a:r>
+            <a:r>
+              <a:rPr lang="zh-CN" altLang="en-US" sz="2000">
+                <a:latin typeface="Noto Mono" panose="020B0609030804020204" pitchFamily="49" charset="0"/>
+                <a:ea typeface="思源黑体 CN Light" panose="020B0300000000000000" pitchFamily="34" charset="-122"/>
+              </a:rPr>
+              <a:t>框架中，使用</a:t>
+            </a:r>
+            <a:r>
+              <a:rPr lang="en-US" altLang="zh-CN" sz="2000">
+                <a:latin typeface="Noto Mono" panose="020B0609030804020204" pitchFamily="49" charset="0"/>
+                <a:ea typeface="思源黑体 CN Light" panose="020B0300000000000000" pitchFamily="34" charset="-122"/>
+              </a:rPr>
+              <a:t>use</a:t>
+            </a:r>
+            <a:r>
+              <a:rPr lang="zh-CN" altLang="en-US" sz="2000">
+                <a:latin typeface="Noto Mono" panose="020B0609030804020204" pitchFamily="49" charset="0"/>
+                <a:ea typeface="思源黑体 CN Light" panose="020B0300000000000000" pitchFamily="34" charset="-122"/>
+              </a:rPr>
+              <a:t>添加中间件。</a:t>
+            </a:r>
+            <a:r>
+              <a:rPr lang="en-US" altLang="zh-CN" sz="2000">
+                <a:latin typeface="Noto Mono" panose="020B0609030804020204" pitchFamily="49" charset="0"/>
+                <a:ea typeface="思源黑体 CN Light" panose="020B0300000000000000" pitchFamily="34" charset="-122"/>
+              </a:rPr>
+              <a:t>use</a:t>
+            </a:r>
+            <a:r>
+              <a:rPr lang="zh-CN" altLang="en-US" sz="2000">
+                <a:latin typeface="Noto Mono" panose="020B0609030804020204" pitchFamily="49" charset="0"/>
+                <a:ea typeface="思源黑体 CN Light" panose="020B0300000000000000" pitchFamily="34" charset="-122"/>
+              </a:rPr>
+              <a:t>添加的中间件按照添加顺序执行，这更符合编码逻辑。</a:t>
+            </a:r>
+            <a:endParaRPr lang="en-US" altLang="zh-CN" sz="2000">
+              <a:latin typeface="Noto Mono" panose="020B0609030804020204" pitchFamily="49" charset="0"/>
+              <a:ea typeface="思源黑体 CN Light" panose="020B0300000000000000" pitchFamily="34" charset="-122"/>
+            </a:endParaRPr>
+          </a:p>
+          <a:p>
+            <a:pPr marL="342900" indent="-342900">
+              <a:lnSpc>
+                <a:spcPts val="2600"/>
+              </a:lnSpc>
+              <a:spcBef>
+                <a:spcPts val="600"/>
+              </a:spcBef>
+              <a:spcAft>
+                <a:spcPts val="600"/>
+              </a:spcAft>
+              <a:buFont typeface="Arial" panose="020B0604020202020204" pitchFamily="34" charset="0"/>
+              <a:buChar char="•"/>
+            </a:pPr>
+            <a:r>
+              <a:rPr lang="en-US" altLang="zh-CN" sz="2000">
+                <a:latin typeface="Noto Mono" panose="020B0609030804020204" pitchFamily="49" charset="0"/>
+                <a:ea typeface="思源黑体 CN Light" panose="020B0300000000000000" pitchFamily="34" charset="-122"/>
+              </a:rPr>
+              <a:t>await next()</a:t>
+            </a:r>
+            <a:r>
+              <a:rPr lang="zh-CN" altLang="en-US" sz="2000">
+                <a:latin typeface="Noto Mono" panose="020B0609030804020204" pitchFamily="49" charset="0"/>
+                <a:ea typeface="思源黑体 CN Light" panose="020B0300000000000000" pitchFamily="34" charset="-122"/>
+              </a:rPr>
+              <a:t>表示执行下一层。如果不需要执行下一层则只需要不写</a:t>
+            </a:r>
+            <a:r>
+              <a:rPr lang="en-US" altLang="zh-CN" sz="2000">
+                <a:latin typeface="Noto Mono" panose="020B0609030804020204" pitchFamily="49" charset="0"/>
+                <a:ea typeface="思源黑体 CN Light" panose="020B0300000000000000" pitchFamily="34" charset="-122"/>
+              </a:rPr>
+              <a:t>await next()</a:t>
+            </a:r>
+            <a:r>
+              <a:rPr lang="zh-CN" altLang="en-US" sz="2000">
+                <a:latin typeface="Noto Mono" panose="020B0609030804020204" pitchFamily="49" charset="0"/>
+                <a:ea typeface="思源黑体 CN Light" panose="020B0300000000000000" pitchFamily="34" charset="-122"/>
+              </a:rPr>
+              <a:t>。</a:t>
+            </a:r>
+            <a:endParaRPr lang="en-US" altLang="zh-CN" sz="2000">
+              <a:latin typeface="Noto Mono" panose="020B0609030804020204" pitchFamily="49" charset="0"/>
+              <a:ea typeface="思源黑体 CN Light" panose="020B0300000000000000" pitchFamily="34" charset="-122"/>
+            </a:endParaRPr>
+          </a:p>
+          <a:p>
+            <a:pPr marL="342900" indent="-342900">
+              <a:lnSpc>
+                <a:spcPts val="2600"/>
+              </a:lnSpc>
+              <a:spcBef>
+                <a:spcPts val="600"/>
+              </a:spcBef>
+              <a:spcAft>
+                <a:spcPts val="600"/>
+              </a:spcAft>
+              <a:buFont typeface="Arial" panose="020B0604020202020204" pitchFamily="34" charset="0"/>
+              <a:buChar char="•"/>
+            </a:pPr>
+            <a:r>
+              <a:rPr lang="en-US" altLang="zh-CN" sz="2000">
+                <a:latin typeface="Noto Mono" panose="020B0609030804020204" pitchFamily="49" charset="0"/>
+                <a:ea typeface="思源黑体 CN Light" panose="020B0300000000000000" pitchFamily="34" charset="-122"/>
+              </a:rPr>
+              <a:t>use</a:t>
+            </a:r>
+            <a:r>
+              <a:rPr lang="zh-CN" altLang="en-US" sz="2000">
+                <a:latin typeface="Noto Mono" panose="020B0609030804020204" pitchFamily="49" charset="0"/>
+                <a:ea typeface="思源黑体 CN Light" panose="020B0300000000000000" pitchFamily="34" charset="-122"/>
+              </a:rPr>
+              <a:t>还支持第二个参数，用于控制针对哪个请求类型执行，以及指定中间件分组。</a:t>
+            </a:r>
+            <a:endParaRPr lang="en-US" altLang="zh-CN" sz="2000">
+              <a:latin typeface="Noto Mono" panose="020B0609030804020204" pitchFamily="49" charset="0"/>
+              <a:ea typeface="思源黑体 CN Light" panose="020B0300000000000000" pitchFamily="34" charset="-122"/>
+            </a:endParaRPr>
+          </a:p>
+          <a:p>
+            <a:pPr marL="342900" indent="-342900">
+              <a:lnSpc>
+                <a:spcPts val="2600"/>
+              </a:lnSpc>
+              <a:spcBef>
+                <a:spcPts val="600"/>
+              </a:spcBef>
+              <a:spcAft>
+                <a:spcPts val="600"/>
+              </a:spcAft>
+              <a:buFont typeface="Arial" panose="020B0604020202020204" pitchFamily="34" charset="0"/>
+              <a:buChar char="•"/>
+            </a:pPr>
+            <a:r>
+              <a:rPr lang="zh-CN" altLang="en-US" sz="2000">
+                <a:latin typeface="Noto Mono" panose="020B0609030804020204" pitchFamily="49" charset="0"/>
+                <a:ea typeface="思源黑体 CN Light" panose="020B0300000000000000" pitchFamily="34" charset="-122"/>
+              </a:rPr>
+              <a:t>中间件分组是基于路由的分组。好处是，可以按照分组执行，灵活配置，高效执行。</a:t>
+            </a:r>
+            <a:endParaRPr lang="en-US" altLang="zh-CN" sz="2000">
+              <a:latin typeface="Noto Mono" panose="020B0609030804020204" pitchFamily="49" charset="0"/>
+              <a:ea typeface="思源黑体 CN Light" panose="020B0300000000000000" pitchFamily="34" charset="-122"/>
+            </a:endParaRPr>
+          </a:p>
+          <a:p>
+            <a:pPr marL="342900" indent="-342900">
+              <a:lnSpc>
+                <a:spcPts val="2600"/>
+              </a:lnSpc>
+              <a:spcBef>
+                <a:spcPts val="600"/>
+              </a:spcBef>
+              <a:spcAft>
+                <a:spcPts val="600"/>
+              </a:spcAft>
+              <a:buFont typeface="Arial" panose="020B0604020202020204" pitchFamily="34" charset="0"/>
+              <a:buChar char="•"/>
+            </a:pPr>
+            <a:r>
+              <a:rPr lang="zh-CN" altLang="en-US" sz="2000">
+                <a:latin typeface="Noto Mono" panose="020B0609030804020204" pitchFamily="49" charset="0"/>
+                <a:ea typeface="思源黑体 CN Light" panose="020B0300000000000000" pitchFamily="34" charset="-122"/>
+              </a:rPr>
+              <a:t>中间件分组和控制参数不是每个框架都支持。</a:t>
+            </a:r>
+            <a:endParaRPr lang="en-US" altLang="zh-CN" sz="2000">
+              <a:latin typeface="Noto Mono" panose="020B0609030804020204" pitchFamily="49" charset="0"/>
+              <a:ea typeface="思源黑体 CN Light" panose="020B0300000000000000" pitchFamily="34" charset="-122"/>
+            </a:endParaRPr>
+          </a:p>
+          <a:p>
+            <a:pPr marL="342900" indent="-342900">
+              <a:lnSpc>
+                <a:spcPts val="2600"/>
+              </a:lnSpc>
+              <a:spcBef>
+                <a:spcPts val="600"/>
+              </a:spcBef>
+              <a:spcAft>
+                <a:spcPts val="600"/>
+              </a:spcAft>
+              <a:buFont typeface="Arial" panose="020B0604020202020204" pitchFamily="34" charset="0"/>
+              <a:buChar char="•"/>
+            </a:pPr>
+            <a:endParaRPr lang="en-US" altLang="zh-CN" sz="2000">
+              <a:latin typeface="Noto Mono" panose="020B0609030804020204" pitchFamily="49" charset="0"/>
+              <a:ea typeface="思源黑体 CN Light" panose="020B0300000000000000" pitchFamily="34" charset="-122"/>
+            </a:endParaRPr>
           </a:p>
         </p:txBody>
       </p:sp>
     </p:spTree>
     <p:extLst>
       <p:ext uri="{BB962C8B-B14F-4D97-AF65-F5344CB8AC3E}">
-        <p14:creationId xmlns:p14="http://schemas.microsoft.com/office/powerpoint/2010/main" val="2052499412"/>
+        <p14:creationId xmlns:p14="http://schemas.microsoft.com/office/powerpoint/2010/main" val="3444132504"/>
       </p:ext>
     </p:extLst>
   </p:cSld>
@@ -4009,7 +4380,7 @@
           <p:cNvPr id="2" name="标题 1">
             <a:extLst>
               <a:ext uri="{FF2B5EF4-FFF2-40B4-BE49-F238E27FC236}">
-                <a16:creationId xmlns:a16="http://schemas.microsoft.com/office/drawing/2014/main" id="{890582C0-9CF5-40BD-89BB-B9F17D1E05A2}"/>
+                <a16:creationId xmlns:a16="http://schemas.microsoft.com/office/drawing/2014/main" id="{6E5104EC-8AD9-4D1E-ABC4-725265BA7601}"/>
               </a:ext>
             </a:extLst>
           </p:cNvPr>
@@ -4027,396 +4398,50 @@
           <a:p>
             <a:r>
               <a:rPr lang="zh-CN" altLang="en-US"/>
-              <a:t>数据库</a:t>
-            </a:r>
-          </a:p>
-        </p:txBody>
-      </p:sp>
-      <p:sp>
-        <p:nvSpPr>
-          <p:cNvPr id="3" name="内容占位符 2">
-            <a:extLst>
-              <a:ext uri="{FF2B5EF4-FFF2-40B4-BE49-F238E27FC236}">
-                <a16:creationId xmlns:a16="http://schemas.microsoft.com/office/drawing/2014/main" id="{04827E7F-7ECC-4EC3-829A-1A7361C2A0C5}"/>
-              </a:ext>
-            </a:extLst>
-          </p:cNvPr>
-          <p:cNvSpPr>
-            <a:spLocks noGrp="1"/>
-          </p:cNvSpPr>
+              <a:t>中间件解决跨域</a:t>
+            </a:r>
+          </a:p>
+        </p:txBody>
+      </p:sp>
+      <p:pic>
+        <p:nvPicPr>
+          <p:cNvPr id="5" name="内容占位符 4">
+            <a:extLst>
+              <a:ext uri="{FF2B5EF4-FFF2-40B4-BE49-F238E27FC236}">
+                <a16:creationId xmlns:a16="http://schemas.microsoft.com/office/drawing/2014/main" id="{206D9CB3-ABD2-498F-860E-CDE59971EF49}"/>
+              </a:ext>
+            </a:extLst>
+          </p:cNvPr>
+          <p:cNvPicPr>
+            <a:picLocks noGrp="1" noChangeAspect="1"/>
+          </p:cNvPicPr>
           <p:nvPr>
             <p:ph idx="1"/>
           </p:nvPr>
-        </p:nvSpPr>
-        <p:spPr/>
-        <p:txBody>
-          <a:bodyPr/>
-          <a:lstStyle/>
-          <a:p>
-            <a:endParaRPr lang="zh-CN" altLang="en-US"/>
-          </a:p>
-        </p:txBody>
-      </p:sp>
+        </p:nvPicPr>
+        <p:blipFill>
+          <a:blip r:embed="rId2">
+            <a:extLst>
+              <a:ext uri="{28A0092B-C50C-407E-A947-70E740481C1C}">
+                <a14:useLocalDpi xmlns:a14="http://schemas.microsoft.com/office/drawing/2010/main" val="0"/>
+              </a:ext>
+            </a:extLst>
+          </a:blip>
+          <a:stretch>
+            <a:fillRect/>
+          </a:stretch>
+        </p:blipFill>
+        <p:spPr>
+          <a:xfrm>
+            <a:off x="2286916" y="1927642"/>
+            <a:ext cx="7618167" cy="3002716"/>
+          </a:xfrm>
+        </p:spPr>
+      </p:pic>
     </p:spTree>
     <p:extLst>
       <p:ext uri="{BB962C8B-B14F-4D97-AF65-F5344CB8AC3E}">
-        <p14:creationId xmlns:p14="http://schemas.microsoft.com/office/powerpoint/2010/main" val="1531795847"/>
-      </p:ext>
-    </p:extLst>
-  </p:cSld>
-  <p:clrMapOvr>
-    <a:masterClrMapping/>
-  </p:clrMapOvr>
-</p:sld>
-</file>
-
-<file path=ppt/slides/slide15.xml><?xml version="1.0" encoding="utf-8"?>
-<p:sld xmlns:a="http://schemas.openxmlformats.org/drawingml/2006/main" xmlns:r="http://schemas.openxmlformats.org/officeDocument/2006/relationships" xmlns:p="http://schemas.openxmlformats.org/presentationml/2006/main">
-  <p:cSld>
-    <p:spTree>
-      <p:nvGrpSpPr>
-        <p:cNvPr id="1" name=""/>
-        <p:cNvGrpSpPr/>
-        <p:nvPr/>
-      </p:nvGrpSpPr>
-      <p:grpSpPr>
-        <a:xfrm>
-          <a:off x="0" y="0"/>
-          <a:ext cx="0" cy="0"/>
-          <a:chOff x="0" y="0"/>
-          <a:chExt cx="0" cy="0"/>
-        </a:xfrm>
-      </p:grpSpPr>
-      <p:sp>
-        <p:nvSpPr>
-          <p:cNvPr id="2" name="标题 1">
-            <a:extLst>
-              <a:ext uri="{FF2B5EF4-FFF2-40B4-BE49-F238E27FC236}">
-                <a16:creationId xmlns:a16="http://schemas.microsoft.com/office/drawing/2014/main" id="{2B206B12-2419-4DD2-9F9C-A083B3EFEE36}"/>
-              </a:ext>
-            </a:extLst>
-          </p:cNvPr>
-          <p:cNvSpPr>
-            <a:spLocks noGrp="1"/>
-          </p:cNvSpPr>
-          <p:nvPr>
-            <p:ph type="title"/>
-          </p:nvPr>
-        </p:nvSpPr>
-        <p:spPr/>
-        <p:txBody>
-          <a:bodyPr/>
-          <a:lstStyle/>
-          <a:p>
-            <a:r>
-              <a:rPr lang="zh-CN" altLang="en-US"/>
-              <a:t>使用数据库</a:t>
-            </a:r>
-          </a:p>
-        </p:txBody>
-      </p:sp>
-      <p:sp>
-        <p:nvSpPr>
-          <p:cNvPr id="3" name="内容占位符 2">
-            <a:extLst>
-              <a:ext uri="{FF2B5EF4-FFF2-40B4-BE49-F238E27FC236}">
-                <a16:creationId xmlns:a16="http://schemas.microsoft.com/office/drawing/2014/main" id="{4DA64EAE-D0EB-466A-9E77-CDE6A96D9A37}"/>
-              </a:ext>
-            </a:extLst>
-          </p:cNvPr>
-          <p:cNvSpPr>
-            <a:spLocks noGrp="1"/>
-          </p:cNvSpPr>
-          <p:nvPr>
-            <p:ph idx="1"/>
-          </p:nvPr>
-        </p:nvSpPr>
-        <p:spPr/>
-        <p:txBody>
-          <a:bodyPr/>
-          <a:lstStyle/>
-          <a:p>
-            <a:endParaRPr lang="zh-CN" altLang="en-US"/>
-          </a:p>
-        </p:txBody>
-      </p:sp>
-    </p:spTree>
-    <p:extLst>
-      <p:ext uri="{BB962C8B-B14F-4D97-AF65-F5344CB8AC3E}">
-        <p14:creationId xmlns:p14="http://schemas.microsoft.com/office/powerpoint/2010/main" val="1869127447"/>
-      </p:ext>
-    </p:extLst>
-  </p:cSld>
-  <p:clrMapOvr>
-    <a:masterClrMapping/>
-  </p:clrMapOvr>
-</p:sld>
-</file>
-
-<file path=ppt/slides/slide16.xml><?xml version="1.0" encoding="utf-8"?>
-<p:sld xmlns:a="http://schemas.openxmlformats.org/drawingml/2006/main" xmlns:r="http://schemas.openxmlformats.org/officeDocument/2006/relationships" xmlns:p="http://schemas.openxmlformats.org/presentationml/2006/main">
-  <p:cSld>
-    <p:spTree>
-      <p:nvGrpSpPr>
-        <p:cNvPr id="1" name=""/>
-        <p:cNvGrpSpPr/>
-        <p:nvPr/>
-      </p:nvGrpSpPr>
-      <p:grpSpPr>
-        <a:xfrm>
-          <a:off x="0" y="0"/>
-          <a:ext cx="0" cy="0"/>
-          <a:chOff x="0" y="0"/>
-          <a:chExt cx="0" cy="0"/>
-        </a:xfrm>
-      </p:grpSpPr>
-      <p:sp>
-        <p:nvSpPr>
-          <p:cNvPr id="2" name="标题 1">
-            <a:extLst>
-              <a:ext uri="{FF2B5EF4-FFF2-40B4-BE49-F238E27FC236}">
-                <a16:creationId xmlns:a16="http://schemas.microsoft.com/office/drawing/2014/main" id="{57FEF634-F102-4868-8C7E-790011909F42}"/>
-              </a:ext>
-            </a:extLst>
-          </p:cNvPr>
-          <p:cNvSpPr>
-            <a:spLocks noGrp="1"/>
-          </p:cNvSpPr>
-          <p:nvPr>
-            <p:ph type="title"/>
-          </p:nvPr>
-        </p:nvSpPr>
-        <p:spPr/>
-        <p:txBody>
-          <a:bodyPr/>
-          <a:lstStyle/>
-          <a:p>
-            <a:r>
-              <a:rPr lang="en-US" altLang="zh-CN"/>
-              <a:t>postgresql</a:t>
-            </a:r>
-            <a:r>
-              <a:rPr lang="zh-CN" altLang="en-US"/>
-              <a:t>安装</a:t>
-            </a:r>
-          </a:p>
-        </p:txBody>
-      </p:sp>
-      <p:sp>
-        <p:nvSpPr>
-          <p:cNvPr id="3" name="内容占位符 2">
-            <a:extLst>
-              <a:ext uri="{FF2B5EF4-FFF2-40B4-BE49-F238E27FC236}">
-                <a16:creationId xmlns:a16="http://schemas.microsoft.com/office/drawing/2014/main" id="{4144CDF5-07E8-483E-B4D7-641611911CD6}"/>
-              </a:ext>
-            </a:extLst>
-          </p:cNvPr>
-          <p:cNvSpPr>
-            <a:spLocks noGrp="1"/>
-          </p:cNvSpPr>
-          <p:nvPr>
-            <p:ph idx="1"/>
-          </p:nvPr>
-        </p:nvSpPr>
-        <p:spPr/>
-        <p:txBody>
-          <a:bodyPr/>
-          <a:lstStyle/>
-          <a:p>
-            <a:endParaRPr lang="zh-CN" altLang="en-US"/>
-          </a:p>
-        </p:txBody>
-      </p:sp>
-    </p:spTree>
-    <p:extLst>
-      <p:ext uri="{BB962C8B-B14F-4D97-AF65-F5344CB8AC3E}">
-        <p14:creationId xmlns:p14="http://schemas.microsoft.com/office/powerpoint/2010/main" val="2494796886"/>
-      </p:ext>
-    </p:extLst>
-  </p:cSld>
-  <p:clrMapOvr>
-    <a:masterClrMapping/>
-  </p:clrMapOvr>
-</p:sld>
-</file>
-
-<file path=ppt/slides/slide17.xml><?xml version="1.0" encoding="utf-8"?>
-<p:sld xmlns:a="http://schemas.openxmlformats.org/drawingml/2006/main" xmlns:r="http://schemas.openxmlformats.org/officeDocument/2006/relationships" xmlns:p="http://schemas.openxmlformats.org/presentationml/2006/main">
-  <p:cSld>
-    <p:spTree>
-      <p:nvGrpSpPr>
-        <p:cNvPr id="1" name=""/>
-        <p:cNvGrpSpPr/>
-        <p:nvPr/>
-      </p:nvGrpSpPr>
-      <p:grpSpPr>
-        <a:xfrm>
-          <a:off x="0" y="0"/>
-          <a:ext cx="0" cy="0"/>
-          <a:chOff x="0" y="0"/>
-          <a:chExt cx="0" cy="0"/>
-        </a:xfrm>
-      </p:grpSpPr>
-      <p:sp>
-        <p:nvSpPr>
-          <p:cNvPr id="2" name="标题 1">
-            <a:extLst>
-              <a:ext uri="{FF2B5EF4-FFF2-40B4-BE49-F238E27FC236}">
-                <a16:creationId xmlns:a16="http://schemas.microsoft.com/office/drawing/2014/main" id="{41447A1D-D7D4-45F2-A26C-78B9550AA652}"/>
-              </a:ext>
-            </a:extLst>
-          </p:cNvPr>
-          <p:cNvSpPr>
-            <a:spLocks noGrp="1"/>
-          </p:cNvSpPr>
-          <p:nvPr>
-            <p:ph type="title"/>
-          </p:nvPr>
-        </p:nvSpPr>
-        <p:spPr/>
-        <p:txBody>
-          <a:bodyPr/>
-          <a:lstStyle/>
-          <a:p>
-            <a:r>
-              <a:rPr lang="zh-CN" altLang="en-US"/>
-              <a:t>创建用户和数据库</a:t>
-            </a:r>
-          </a:p>
-        </p:txBody>
-      </p:sp>
-      <p:sp>
-        <p:nvSpPr>
-          <p:cNvPr id="3" name="内容占位符 2">
-            <a:extLst>
-              <a:ext uri="{FF2B5EF4-FFF2-40B4-BE49-F238E27FC236}">
-                <a16:creationId xmlns:a16="http://schemas.microsoft.com/office/drawing/2014/main" id="{C1E5017D-178C-436C-BADE-9B36C5E1E270}"/>
-              </a:ext>
-            </a:extLst>
-          </p:cNvPr>
-          <p:cNvSpPr>
-            <a:spLocks noGrp="1"/>
-          </p:cNvSpPr>
-          <p:nvPr>
-            <p:ph idx="1"/>
-          </p:nvPr>
-        </p:nvSpPr>
-        <p:spPr/>
-        <p:txBody>
-          <a:bodyPr/>
-          <a:lstStyle/>
-          <a:p>
-            <a:endParaRPr lang="zh-CN" altLang="en-US"/>
-          </a:p>
-        </p:txBody>
-      </p:sp>
-    </p:spTree>
-    <p:extLst>
-      <p:ext uri="{BB962C8B-B14F-4D97-AF65-F5344CB8AC3E}">
-        <p14:creationId xmlns:p14="http://schemas.microsoft.com/office/powerpoint/2010/main" val="3028757486"/>
-      </p:ext>
-    </p:extLst>
-  </p:cSld>
-  <p:clrMapOvr>
-    <a:masterClrMapping/>
-  </p:clrMapOvr>
-</p:sld>
-</file>
-
-<file path=ppt/slides/slide18.xml><?xml version="1.0" encoding="utf-8"?>
-<p:sld xmlns:a="http://schemas.openxmlformats.org/drawingml/2006/main" xmlns:r="http://schemas.openxmlformats.org/officeDocument/2006/relationships" xmlns:p="http://schemas.openxmlformats.org/presentationml/2006/main">
-  <p:cSld>
-    <p:spTree>
-      <p:nvGrpSpPr>
-        <p:cNvPr id="1" name=""/>
-        <p:cNvGrpSpPr/>
-        <p:nvPr/>
-      </p:nvGrpSpPr>
-      <p:grpSpPr>
-        <a:xfrm>
-          <a:off x="0" y="0"/>
-          <a:ext cx="0" cy="0"/>
-          <a:chOff x="0" y="0"/>
-          <a:chExt cx="0" cy="0"/>
-        </a:xfrm>
-      </p:grpSpPr>
-      <p:sp>
-        <p:nvSpPr>
-          <p:cNvPr id="2" name="标题 1">
-            <a:extLst>
-              <a:ext uri="{FF2B5EF4-FFF2-40B4-BE49-F238E27FC236}">
-                <a16:creationId xmlns:a16="http://schemas.microsoft.com/office/drawing/2014/main" id="{B5CBB81B-840D-4451-9ECF-C97CF1D80D36}"/>
-              </a:ext>
-            </a:extLst>
-          </p:cNvPr>
-          <p:cNvSpPr>
-            <a:spLocks noGrp="1"/>
-          </p:cNvSpPr>
-          <p:nvPr>
-            <p:ph type="title"/>
-          </p:nvPr>
-        </p:nvSpPr>
-        <p:spPr/>
-        <p:txBody>
-          <a:bodyPr/>
-          <a:lstStyle/>
-          <a:p>
-            <a:r>
-              <a:rPr lang="en-US" altLang="zh-CN"/>
-              <a:t>pg</a:t>
-            </a:r>
-            <a:r>
-              <a:rPr lang="zh-CN" altLang="en-US"/>
-              <a:t>：</a:t>
-            </a:r>
-            <a:r>
-              <a:rPr lang="en-US" altLang="zh-CN"/>
-              <a:t>postgresql</a:t>
-            </a:r>
-            <a:r>
-              <a:rPr lang="zh-CN" altLang="en-US"/>
-              <a:t>的</a:t>
-            </a:r>
-            <a:r>
-              <a:rPr lang="en-US" altLang="zh-CN"/>
-              <a:t>Node.js</a:t>
-            </a:r>
-            <a:r>
-              <a:rPr lang="zh-CN" altLang="en-US"/>
-              <a:t>扩展</a:t>
-            </a:r>
-          </a:p>
-        </p:txBody>
-      </p:sp>
-      <p:sp>
-        <p:nvSpPr>
-          <p:cNvPr id="3" name="内容占位符 2">
-            <a:extLst>
-              <a:ext uri="{FF2B5EF4-FFF2-40B4-BE49-F238E27FC236}">
-                <a16:creationId xmlns:a16="http://schemas.microsoft.com/office/drawing/2014/main" id="{BD3FF549-0EDC-4CF1-8E71-D6C92783A25B}"/>
-              </a:ext>
-            </a:extLst>
-          </p:cNvPr>
-          <p:cNvSpPr>
-            <a:spLocks noGrp="1"/>
-          </p:cNvSpPr>
-          <p:nvPr>
-            <p:ph idx="1"/>
-          </p:nvPr>
-        </p:nvSpPr>
-        <p:spPr/>
-        <p:txBody>
-          <a:bodyPr/>
-          <a:lstStyle/>
-          <a:p>
-            <a:endParaRPr lang="zh-CN" altLang="en-US"/>
-          </a:p>
-        </p:txBody>
-      </p:sp>
-    </p:spTree>
-    <p:extLst>
-      <p:ext uri="{BB962C8B-B14F-4D97-AF65-F5344CB8AC3E}">
-        <p14:creationId xmlns:p14="http://schemas.microsoft.com/office/powerpoint/2010/main" val="1227704780"/>
+        <p14:creationId xmlns:p14="http://schemas.microsoft.com/office/powerpoint/2010/main" val="1155536873"/>
       </p:ext>
     </p:extLst>
   </p:cSld>
@@ -4979,7 +5004,7 @@
         <p:spPr/>
         <p:txBody>
           <a:bodyPr>
-            <a:normAutofit/>
+            <a:normAutofit fontScale="92500"/>
           </a:bodyPr>
           <a:lstStyle/>
           <a:p>
@@ -5075,7 +5100,7 @@
             </a:r>
             <a:r>
               <a:rPr lang="zh-CN" altLang="en-US"/>
-              <a:t>数据，</a:t>
+              <a:t>数据（可以更改，默认为文件存储），</a:t>
             </a:r>
             <a:r>
               <a:rPr lang="en-US" altLang="zh-CN"/>
@@ -5333,7 +5358,7 @@
             </a:r>
             <a:r>
               <a:rPr lang="zh-CN" altLang="en-US" sz="1600"/>
-              <a:t>的安全性问题，现在是有很多方案提高安全性的，已经不是早期那种情况。</a:t>
+              <a:t>的安全性问题，现在是有很多方案提高安全性的。</a:t>
             </a:r>
             <a:r>
               <a:rPr lang="en-US" altLang="zh-CN" sz="1600"/>
@@ -5638,6 +5663,9 @@
             <a:endParaRPr lang="en-US" altLang="zh-CN"/>
           </a:p>
           <a:p>
+            <a:endParaRPr lang="en-US" altLang="zh-CN"/>
+          </a:p>
+          <a:p>
             <a:r>
               <a:rPr lang="zh-CN" altLang="en-US"/>
               <a:t>前端应用登录后，后台</a:t>
@@ -5661,6 +5689,9 @@
             <a:endParaRPr lang="en-US" altLang="zh-CN"/>
           </a:p>
           <a:p>
+            <a:endParaRPr lang="en-US" altLang="zh-CN"/>
+          </a:p>
+          <a:p>
             <a:r>
               <a:rPr lang="zh-CN" altLang="en-US"/>
               <a:t>前端把</a:t>
@@ -5681,6 +5712,9 @@
               <a:rPr lang="zh-CN" altLang="en-US"/>
               <a:t>，有可能还会返回一些辅助的信息和用户基本信息。</a:t>
             </a:r>
+            <a:endParaRPr lang="en-US" altLang="zh-CN"/>
+          </a:p>
+          <a:p>
             <a:endParaRPr lang="en-US" altLang="zh-CN"/>
           </a:p>
           <a:p>
